--- a/SIG Proceedings Template-Jan2015 Zip/picsppt.pptx
+++ b/SIG Proceedings Template-Jan2015 Zip/picsppt.pptx
@@ -6,6 +6,7 @@
   </p:sldMasterIdLst>
   <p:sldIdLst>
     <p:sldId id="256" r:id="rId2"/>
+    <p:sldId id="257" r:id="rId3"/>
   </p:sldIdLst>
   <p:sldSz cx="12192000" cy="6858000"/>
   <p:notesSz cx="6858000" cy="9144000"/>
@@ -2964,79 +2965,105 @@
           <a:chExt cx="0" cy="0"/>
         </a:xfrm>
       </p:grpSpPr>
-      <p:sp>
-        <p:nvSpPr>
-          <p:cNvPr id="5" name="圆角矩形 4"/>
-          <p:cNvSpPr/>
+      <p:grpSp>
+        <p:nvGrpSpPr>
+          <p:cNvPr id="36" name="组 35"/>
+          <p:cNvGrpSpPr/>
           <p:nvPr/>
-        </p:nvSpPr>
-        <p:spPr>
+        </p:nvGrpSpPr>
+        <p:grpSpPr>
           <a:xfrm>
             <a:off x="1355833" y="1087821"/>
             <a:ext cx="8087711" cy="3972910"/>
+            <a:chOff x="1355833" y="1087821"/>
+            <a:chExt cx="8087711" cy="3972910"/>
           </a:xfrm>
-          <a:prstGeom prst="roundRect">
-            <a:avLst>
-              <a:gd name="adj" fmla="val 4653"/>
-            </a:avLst>
-          </a:prstGeom>
-          <a:solidFill>
-            <a:schemeClr val="accent6">
-              <a:lumMod val="20000"/>
-              <a:lumOff val="80000"/>
-            </a:schemeClr>
-          </a:solidFill>
-        </p:spPr>
-        <p:style>
-          <a:lnRef idx="2">
-            <a:schemeClr val="accent1">
-              <a:shade val="50000"/>
-            </a:schemeClr>
-          </a:lnRef>
-          <a:fillRef idx="1">
-            <a:schemeClr val="accent1"/>
-          </a:fillRef>
-          <a:effectRef idx="0">
-            <a:schemeClr val="accent1"/>
-          </a:effectRef>
-          <a:fontRef idx="minor">
-            <a:schemeClr val="lt1"/>
-          </a:fontRef>
-        </p:style>
-        <p:txBody>
-          <a:bodyPr rtlCol="0" anchor="ctr"/>
-          <a:lstStyle/>
-          <a:p>
-            <a:pPr algn="ctr"/>
-            <a:endParaRPr kumimoji="1" lang="zh-CN" altLang="en-US" dirty="0"/>
-          </a:p>
-        </p:txBody>
-      </p:sp>
-      <p:sp>
-        <p:nvSpPr>
-          <p:cNvPr id="6" name="文本框 5"/>
-          <p:cNvSpPr txBox="1"/>
-          <p:nvPr/>
-        </p:nvSpPr>
-        <p:spPr>
-          <a:xfrm>
-            <a:off x="4508936" y="1093471"/>
-            <a:ext cx="1781503" cy="461665"/>
-          </a:xfrm>
-          <a:prstGeom prst="rect">
-            <a:avLst/>
-          </a:prstGeom>
-          <a:noFill/>
-        </p:spPr>
-        <p:txBody>
-          <a:bodyPr wrap="square" rtlCol="0">
-            <a:spAutoFit/>
-          </a:bodyPr>
-          <a:lstStyle/>
-          <a:p>
-            <a:pPr algn="ctr"/>
-            <a:r>
-              <a:rPr kumimoji="1" lang="en-US" altLang="zh-CN" sz="2400" smtClean="0">
+        </p:grpSpPr>
+        <p:sp>
+          <p:nvSpPr>
+            <p:cNvPr id="5" name="圆角矩形 4"/>
+            <p:cNvSpPr/>
+            <p:nvPr/>
+          </p:nvSpPr>
+          <p:spPr>
+            <a:xfrm>
+              <a:off x="1355833" y="1087821"/>
+              <a:ext cx="8087711" cy="3972910"/>
+            </a:xfrm>
+            <a:prstGeom prst="roundRect">
+              <a:avLst>
+                <a:gd name="adj" fmla="val 4653"/>
+              </a:avLst>
+            </a:prstGeom>
+            <a:solidFill>
+              <a:schemeClr val="accent6">
+                <a:lumMod val="20000"/>
+                <a:lumOff val="80000"/>
+              </a:schemeClr>
+            </a:solidFill>
+          </p:spPr>
+          <p:style>
+            <a:lnRef idx="2">
+              <a:schemeClr val="accent1">
+                <a:shade val="50000"/>
+              </a:schemeClr>
+            </a:lnRef>
+            <a:fillRef idx="1">
+              <a:schemeClr val="accent1"/>
+            </a:fillRef>
+            <a:effectRef idx="0">
+              <a:schemeClr val="accent1"/>
+            </a:effectRef>
+            <a:fontRef idx="minor">
+              <a:schemeClr val="lt1"/>
+            </a:fontRef>
+          </p:style>
+          <p:txBody>
+            <a:bodyPr rtlCol="0" anchor="ctr"/>
+            <a:lstStyle/>
+            <a:p>
+              <a:pPr algn="ctr"/>
+              <a:endParaRPr kumimoji="1" lang="zh-CN" altLang="en-US" dirty="0"/>
+            </a:p>
+          </p:txBody>
+        </p:sp>
+        <p:sp>
+          <p:nvSpPr>
+            <p:cNvPr id="6" name="文本框 5"/>
+            <p:cNvSpPr txBox="1"/>
+            <p:nvPr/>
+          </p:nvSpPr>
+          <p:spPr>
+            <a:xfrm>
+              <a:off x="4508936" y="1093471"/>
+              <a:ext cx="1781503" cy="461665"/>
+            </a:xfrm>
+            <a:prstGeom prst="rect">
+              <a:avLst/>
+            </a:prstGeom>
+            <a:noFill/>
+          </p:spPr>
+          <p:txBody>
+            <a:bodyPr wrap="square" rtlCol="0">
+              <a:spAutoFit/>
+            </a:bodyPr>
+            <a:lstStyle/>
+            <a:p>
+              <a:pPr algn="ctr"/>
+              <a:r>
+                <a:rPr kumimoji="1" lang="en-US" altLang="zh-CN" sz="2400" smtClean="0">
+                  <a:solidFill>
+                    <a:schemeClr val="accent1">
+                      <a:lumMod val="75000"/>
+                    </a:schemeClr>
+                  </a:solidFill>
+                  <a:latin typeface="Times New Roman" charset="0"/>
+                  <a:ea typeface="Times New Roman" charset="0"/>
+                  <a:cs typeface="Times New Roman" charset="0"/>
+                </a:rPr>
+                <a:t>host</a:t>
+              </a:r>
+              <a:endParaRPr kumimoji="1" lang="zh-CN" altLang="en-US" sz="2400" dirty="0">
                 <a:solidFill>
                   <a:schemeClr val="accent1">
                     <a:lumMod val="75000"/>
@@ -3045,280 +3072,13 @@
                 <a:latin typeface="Times New Roman" charset="0"/>
                 <a:ea typeface="Times New Roman" charset="0"/>
                 <a:cs typeface="Times New Roman" charset="0"/>
-              </a:rPr>
-              <a:t>host</a:t>
-            </a:r>
-            <a:endParaRPr kumimoji="1" lang="zh-CN" altLang="en-US" sz="2400" dirty="0">
-              <a:solidFill>
-                <a:schemeClr val="accent1">
-                  <a:lumMod val="75000"/>
-                </a:schemeClr>
-              </a:solidFill>
-              <a:latin typeface="Times New Roman" charset="0"/>
-              <a:ea typeface="Times New Roman" charset="0"/>
-              <a:cs typeface="Times New Roman" charset="0"/>
-            </a:endParaRPr>
-          </a:p>
-        </p:txBody>
-      </p:sp>
-      <p:sp>
-        <p:nvSpPr>
-          <p:cNvPr id="8" name="圆角矩形 7"/>
-          <p:cNvSpPr/>
-          <p:nvPr/>
-        </p:nvSpPr>
-        <p:spPr>
-          <a:xfrm>
-            <a:off x="1608082" y="1555137"/>
-            <a:ext cx="3421118" cy="1393015"/>
-          </a:xfrm>
-          <a:prstGeom prst="roundRect">
-            <a:avLst>
-              <a:gd name="adj" fmla="val 8746"/>
-            </a:avLst>
-          </a:prstGeom>
-          <a:solidFill>
-            <a:schemeClr val="accent1">
-              <a:lumMod val="40000"/>
-              <a:lumOff val="60000"/>
-            </a:schemeClr>
-          </a:solidFill>
-        </p:spPr>
-        <p:style>
-          <a:lnRef idx="2">
-            <a:schemeClr val="accent1">
-              <a:shade val="50000"/>
-            </a:schemeClr>
-          </a:lnRef>
-          <a:fillRef idx="1">
-            <a:schemeClr val="accent1"/>
-          </a:fillRef>
-          <a:effectRef idx="0">
-            <a:schemeClr val="accent1"/>
-          </a:effectRef>
-          <a:fontRef idx="minor">
-            <a:schemeClr val="lt1"/>
-          </a:fontRef>
-        </p:style>
-        <p:txBody>
-          <a:bodyPr rtlCol="0" anchor="ctr"/>
-          <a:lstStyle/>
-          <a:p>
-            <a:pPr algn="ctr"/>
-            <a:endParaRPr kumimoji="1" lang="zh-CN" altLang="en-US"/>
-          </a:p>
-        </p:txBody>
-      </p:sp>
-      <p:sp>
-        <p:nvSpPr>
-          <p:cNvPr id="10" name="文本框 9"/>
-          <p:cNvSpPr txBox="1"/>
-          <p:nvPr/>
-        </p:nvSpPr>
-        <p:spPr>
-          <a:xfrm>
-            <a:off x="1852447" y="1555136"/>
-            <a:ext cx="1686910" cy="400110"/>
-          </a:xfrm>
-          <a:prstGeom prst="rect">
-            <a:avLst/>
-          </a:prstGeom>
-          <a:noFill/>
-        </p:spPr>
-        <p:txBody>
-          <a:bodyPr wrap="square" rtlCol="0">
-            <a:spAutoFit/>
-          </a:bodyPr>
-          <a:lstStyle/>
-          <a:p>
-            <a:r>
-              <a:rPr kumimoji="1" lang="en-US" altLang="zh-CN" sz="2000" dirty="0">
-                <a:solidFill>
-                  <a:srgbClr val="7030A0"/>
-                </a:solidFill>
-                <a:latin typeface="Times New Roman" charset="0"/>
-                <a:ea typeface="Times New Roman" charset="0"/>
-                <a:cs typeface="Times New Roman" charset="0"/>
-              </a:rPr>
-              <a:t>C</a:t>
-            </a:r>
-            <a:r>
-              <a:rPr kumimoji="1" lang="en-US" altLang="zh-CN" sz="2000" dirty="0" smtClean="0">
-                <a:solidFill>
-                  <a:srgbClr val="7030A0"/>
-                </a:solidFill>
-                <a:latin typeface="Times New Roman" charset="0"/>
-                <a:ea typeface="Times New Roman" charset="0"/>
-                <a:cs typeface="Times New Roman" charset="0"/>
-              </a:rPr>
-              <a:t>ontainer1</a:t>
-            </a:r>
-            <a:endParaRPr kumimoji="1" lang="zh-CN" altLang="en-US" sz="2000" dirty="0">
-              <a:solidFill>
-                <a:srgbClr val="7030A0"/>
-              </a:solidFill>
-              <a:latin typeface="Times New Roman" charset="0"/>
-              <a:ea typeface="Times New Roman" charset="0"/>
-              <a:cs typeface="Times New Roman" charset="0"/>
-            </a:endParaRPr>
-          </a:p>
-        </p:txBody>
-      </p:sp>
-      <p:sp>
-        <p:nvSpPr>
-          <p:cNvPr id="11" name="文本框 10"/>
-          <p:cNvSpPr txBox="1"/>
-          <p:nvPr/>
-        </p:nvSpPr>
-        <p:spPr>
-          <a:xfrm>
-            <a:off x="1852447" y="2047579"/>
-            <a:ext cx="1876097" cy="369332"/>
-          </a:xfrm>
-          <a:prstGeom prst="rect">
-            <a:avLst/>
-          </a:prstGeom>
-          <a:noFill/>
-        </p:spPr>
-        <p:txBody>
-          <a:bodyPr wrap="square" rtlCol="0">
-            <a:spAutoFit/>
-          </a:bodyPr>
-          <a:lstStyle/>
-          <a:p>
-            <a:r>
-              <a:rPr kumimoji="1" lang="en-US" altLang="zh-CN" smtClean="0">
-                <a:solidFill>
-                  <a:srgbClr val="7030A0"/>
-                </a:solidFill>
-                <a:latin typeface="Times New Roman" charset="0"/>
-                <a:ea typeface="Times New Roman" charset="0"/>
-                <a:cs typeface="Times New Roman" charset="0"/>
-              </a:rPr>
-              <a:t>172.17.0.1/16</a:t>
-            </a:r>
-            <a:endParaRPr kumimoji="1" lang="zh-CN" altLang="en-US" dirty="0">
-              <a:solidFill>
-                <a:srgbClr val="7030A0"/>
-              </a:solidFill>
-              <a:latin typeface="Times New Roman" charset="0"/>
-              <a:ea typeface="Times New Roman" charset="0"/>
-              <a:cs typeface="Times New Roman" charset="0"/>
-            </a:endParaRPr>
-          </a:p>
-        </p:txBody>
-      </p:sp>
-      <p:sp>
-        <p:nvSpPr>
-          <p:cNvPr id="12" name="六边形 11"/>
-          <p:cNvSpPr/>
-          <p:nvPr/>
-        </p:nvSpPr>
-        <p:spPr>
-          <a:xfrm>
-            <a:off x="2561896" y="2569779"/>
-            <a:ext cx="1513489" cy="378373"/>
-          </a:xfrm>
-          <a:prstGeom prst="hexagon">
-            <a:avLst>
-              <a:gd name="adj" fmla="val 33333"/>
-              <a:gd name="vf" fmla="val 115470"/>
-            </a:avLst>
-          </a:prstGeom>
-          <a:solidFill>
-            <a:schemeClr val="accent4">
-              <a:lumMod val="20000"/>
-              <a:lumOff val="80000"/>
-            </a:schemeClr>
-          </a:solidFill>
-        </p:spPr>
-        <p:style>
-          <a:lnRef idx="2">
-            <a:schemeClr val="accent1">
-              <a:shade val="50000"/>
-            </a:schemeClr>
-          </a:lnRef>
-          <a:fillRef idx="1">
-            <a:schemeClr val="accent1"/>
-          </a:fillRef>
-          <a:effectRef idx="0">
-            <a:schemeClr val="accent1"/>
-          </a:effectRef>
-          <a:fontRef idx="minor">
-            <a:schemeClr val="lt1"/>
-          </a:fontRef>
-        </p:style>
-        <p:txBody>
-          <a:bodyPr rtlCol="0" anchor="ctr"/>
-          <a:lstStyle/>
-          <a:p>
-            <a:pPr algn="ctr"/>
-            <a:endParaRPr kumimoji="1" lang="zh-CN" altLang="en-US"/>
-          </a:p>
-        </p:txBody>
-      </p:sp>
-      <p:sp>
-        <p:nvSpPr>
-          <p:cNvPr id="13" name="文本框 12"/>
-          <p:cNvSpPr txBox="1"/>
-          <p:nvPr/>
-        </p:nvSpPr>
-        <p:spPr>
-          <a:xfrm>
-            <a:off x="2735316" y="2569779"/>
-            <a:ext cx="1166648" cy="369332"/>
-          </a:xfrm>
-          <a:prstGeom prst="rect">
-            <a:avLst/>
-          </a:prstGeom>
-          <a:noFill/>
-        </p:spPr>
-        <p:txBody>
-          <a:bodyPr wrap="square" rtlCol="0">
-            <a:spAutoFit/>
-          </a:bodyPr>
-          <a:lstStyle/>
-          <a:p>
-            <a:pPr algn="ctr"/>
-            <a:r>
-              <a:rPr kumimoji="1" lang="en-US" altLang="zh-CN" smtClean="0">
-                <a:solidFill>
-                  <a:srgbClr val="7030A0"/>
-                </a:solidFill>
-                <a:latin typeface="Times New Roman" charset="0"/>
-                <a:ea typeface="Times New Roman" charset="0"/>
-                <a:cs typeface="Times New Roman" charset="0"/>
-              </a:rPr>
-              <a:t>eth0</a:t>
-            </a:r>
-            <a:endParaRPr kumimoji="1" lang="zh-CN" altLang="en-US" dirty="0">
-              <a:solidFill>
-                <a:srgbClr val="7030A0"/>
-              </a:solidFill>
-              <a:latin typeface="Times New Roman" charset="0"/>
-              <a:ea typeface="Times New Roman" charset="0"/>
-              <a:cs typeface="Times New Roman" charset="0"/>
-            </a:endParaRPr>
-          </a:p>
-        </p:txBody>
-      </p:sp>
-      <p:grpSp>
-        <p:nvGrpSpPr>
-          <p:cNvPr id="15" name="组 14"/>
-          <p:cNvGrpSpPr/>
-          <p:nvPr/>
-        </p:nvGrpSpPr>
-        <p:grpSpPr>
-          <a:xfrm>
-            <a:off x="5738642" y="1546096"/>
-            <a:ext cx="3421118" cy="1393015"/>
-            <a:chOff x="1608082" y="1555137"/>
-            <a:chExt cx="3421118" cy="1393015"/>
-          </a:xfrm>
-        </p:grpSpPr>
+              </a:endParaRPr>
+            </a:p>
+          </p:txBody>
+        </p:sp>
         <p:sp>
           <p:nvSpPr>
-            <p:cNvPr id="16" name="圆角矩形 15"/>
+            <p:cNvPr id="8" name="圆角矩形 7"/>
             <p:cNvSpPr/>
             <p:nvPr/>
           </p:nvSpPr>
@@ -3366,13 +3126,13 @@
         </p:sp>
         <p:sp>
           <p:nvSpPr>
-            <p:cNvPr id="17" name="文本框 16"/>
+            <p:cNvPr id="10" name="文本框 9"/>
             <p:cNvSpPr txBox="1"/>
             <p:nvPr/>
           </p:nvSpPr>
           <p:spPr>
             <a:xfrm>
-              <a:off x="3231930" y="1564177"/>
+              <a:off x="1852447" y="1555136"/>
               <a:ext cx="1686910" cy="400110"/>
             </a:xfrm>
             <a:prstGeom prst="rect">
@@ -3386,7 +3146,6 @@
             </a:bodyPr>
             <a:lstStyle/>
             <a:p>
-              <a:pPr algn="r"/>
               <a:r>
                 <a:rPr kumimoji="1" lang="en-US" altLang="zh-CN" sz="2000" dirty="0">
                   <a:solidFill>
@@ -3422,13 +3181,13 @@
         </p:sp>
         <p:sp>
           <p:nvSpPr>
-            <p:cNvPr id="18" name="文本框 17"/>
+            <p:cNvPr id="11" name="文本框 10"/>
             <p:cNvSpPr txBox="1"/>
             <p:nvPr/>
           </p:nvSpPr>
           <p:spPr>
             <a:xfrm>
-              <a:off x="3042743" y="2056620"/>
+              <a:off x="1852447" y="2047579"/>
               <a:ext cx="1876097" cy="369332"/>
             </a:xfrm>
             <a:prstGeom prst="rect">
@@ -3442,9 +3201,8 @@
             </a:bodyPr>
             <a:lstStyle/>
             <a:p>
-              <a:pPr algn="r"/>
               <a:r>
-                <a:rPr kumimoji="1" lang="en-US" altLang="zh-CN" dirty="0" smtClean="0">
+                <a:rPr kumimoji="1" lang="en-US" altLang="zh-CN" smtClean="0">
                   <a:solidFill>
                     <a:srgbClr val="7030A0"/>
                   </a:solidFill>
@@ -3452,7 +3210,7 @@
                   <a:ea typeface="Times New Roman" charset="0"/>
                   <a:cs typeface="Times New Roman" charset="0"/>
                 </a:rPr>
-                <a:t>172.17.0.2/16</a:t>
+                <a:t>172.17.0.1/16</a:t>
               </a:r>
               <a:endParaRPr kumimoji="1" lang="zh-CN" altLang="en-US" dirty="0">
                 <a:solidFill>
@@ -3467,7 +3225,7 @@
         </p:sp>
         <p:sp>
           <p:nvSpPr>
-            <p:cNvPr id="19" name="六边形 18"/>
+            <p:cNvPr id="12" name="六边形 11"/>
             <p:cNvSpPr/>
             <p:nvPr/>
           </p:nvSpPr>
@@ -3516,7 +3274,7 @@
         </p:sp>
         <p:sp>
           <p:nvSpPr>
-            <p:cNvPr id="20" name="文本框 19"/>
+            <p:cNvPr id="13" name="文本框 12"/>
             <p:cNvSpPr txBox="1"/>
             <p:nvPr/>
           </p:nvSpPr>
@@ -3538,7 +3296,7 @@
             <a:p>
               <a:pPr algn="ctr"/>
               <a:r>
-                <a:rPr kumimoji="1" lang="en-US" altLang="zh-CN" dirty="0" smtClean="0">
+                <a:rPr kumimoji="1" lang="en-US" altLang="zh-CN" smtClean="0">
                   <a:solidFill>
                     <a:srgbClr val="7030A0"/>
                   </a:solidFill>
@@ -3559,88 +3317,282 @@
             </a:p>
           </p:txBody>
         </p:sp>
-      </p:grpSp>
-      <p:sp>
-        <p:nvSpPr>
-          <p:cNvPr id="21" name="圆角矩形 20"/>
-          <p:cNvSpPr/>
-          <p:nvPr/>
-        </p:nvSpPr>
-        <p:spPr>
-          <a:xfrm>
-            <a:off x="1608082" y="3440594"/>
-            <a:ext cx="7551678" cy="804042"/>
-          </a:xfrm>
-          <a:prstGeom prst="roundRect">
-            <a:avLst/>
-          </a:prstGeom>
-          <a:solidFill>
-            <a:schemeClr val="accent1">
-              <a:lumMod val="40000"/>
-              <a:lumOff val="60000"/>
-            </a:schemeClr>
-          </a:solidFill>
-        </p:spPr>
-        <p:style>
-          <a:lnRef idx="2">
-            <a:schemeClr val="accent1">
-              <a:shade val="50000"/>
-            </a:schemeClr>
-          </a:lnRef>
-          <a:fillRef idx="1">
-            <a:schemeClr val="accent1"/>
-          </a:fillRef>
-          <a:effectRef idx="0">
-            <a:schemeClr val="accent1"/>
-          </a:effectRef>
-          <a:fontRef idx="minor">
-            <a:schemeClr val="lt1"/>
-          </a:fontRef>
-        </p:style>
-        <p:txBody>
-          <a:bodyPr rtlCol="0" anchor="ctr"/>
-          <a:lstStyle/>
-          <a:p>
-            <a:pPr algn="ctr"/>
-            <a:endParaRPr kumimoji="1" lang="zh-CN" altLang="en-US"/>
-          </a:p>
-        </p:txBody>
-      </p:sp>
-      <p:grpSp>
-        <p:nvGrpSpPr>
-          <p:cNvPr id="24" name="组 23"/>
-          <p:cNvGrpSpPr/>
-          <p:nvPr/>
-        </p:nvGrpSpPr>
-        <p:grpSpPr>
-          <a:xfrm>
-            <a:off x="2561895" y="3431553"/>
-            <a:ext cx="1513489" cy="378373"/>
-            <a:chOff x="2525107" y="3447398"/>
-            <a:chExt cx="1513489" cy="378373"/>
-          </a:xfrm>
-        </p:grpSpPr>
+        <p:grpSp>
+          <p:nvGrpSpPr>
+            <p:cNvPr id="15" name="组 14"/>
+            <p:cNvGrpSpPr/>
+            <p:nvPr/>
+          </p:nvGrpSpPr>
+          <p:grpSpPr>
+            <a:xfrm>
+              <a:off x="5738642" y="1546096"/>
+              <a:ext cx="3421118" cy="1393015"/>
+              <a:chOff x="1608082" y="1555137"/>
+              <a:chExt cx="3421118" cy="1393015"/>
+            </a:xfrm>
+          </p:grpSpPr>
+          <p:sp>
+            <p:nvSpPr>
+              <p:cNvPr id="16" name="圆角矩形 15"/>
+              <p:cNvSpPr/>
+              <p:nvPr/>
+            </p:nvSpPr>
+            <p:spPr>
+              <a:xfrm>
+                <a:off x="1608082" y="1555137"/>
+                <a:ext cx="3421118" cy="1393015"/>
+              </a:xfrm>
+              <a:prstGeom prst="roundRect">
+                <a:avLst>
+                  <a:gd name="adj" fmla="val 8746"/>
+                </a:avLst>
+              </a:prstGeom>
+              <a:solidFill>
+                <a:schemeClr val="accent1">
+                  <a:lumMod val="40000"/>
+                  <a:lumOff val="60000"/>
+                </a:schemeClr>
+              </a:solidFill>
+            </p:spPr>
+            <p:style>
+              <a:lnRef idx="2">
+                <a:schemeClr val="accent1">
+                  <a:shade val="50000"/>
+                </a:schemeClr>
+              </a:lnRef>
+              <a:fillRef idx="1">
+                <a:schemeClr val="accent1"/>
+              </a:fillRef>
+              <a:effectRef idx="0">
+                <a:schemeClr val="accent1"/>
+              </a:effectRef>
+              <a:fontRef idx="minor">
+                <a:schemeClr val="lt1"/>
+              </a:fontRef>
+            </p:style>
+            <p:txBody>
+              <a:bodyPr rtlCol="0" anchor="ctr"/>
+              <a:lstStyle/>
+              <a:p>
+                <a:pPr algn="ctr"/>
+                <a:endParaRPr kumimoji="1" lang="zh-CN" altLang="en-US"/>
+              </a:p>
+            </p:txBody>
+          </p:sp>
+          <p:sp>
+            <p:nvSpPr>
+              <p:cNvPr id="17" name="文本框 16"/>
+              <p:cNvSpPr txBox="1"/>
+              <p:nvPr/>
+            </p:nvSpPr>
+            <p:spPr>
+              <a:xfrm>
+                <a:off x="3231930" y="1564177"/>
+                <a:ext cx="1686910" cy="400110"/>
+              </a:xfrm>
+              <a:prstGeom prst="rect">
+                <a:avLst/>
+              </a:prstGeom>
+              <a:noFill/>
+            </p:spPr>
+            <p:txBody>
+              <a:bodyPr wrap="square" rtlCol="0">
+                <a:spAutoFit/>
+              </a:bodyPr>
+              <a:lstStyle/>
+              <a:p>
+                <a:pPr algn="r"/>
+                <a:r>
+                  <a:rPr kumimoji="1" lang="en-US" altLang="zh-CN" sz="2000" dirty="0">
+                    <a:solidFill>
+                      <a:srgbClr val="7030A0"/>
+                    </a:solidFill>
+                    <a:latin typeface="Times New Roman" charset="0"/>
+                    <a:ea typeface="Times New Roman" charset="0"/>
+                    <a:cs typeface="Times New Roman" charset="0"/>
+                  </a:rPr>
+                  <a:t>C</a:t>
+                </a:r>
+                <a:r>
+                  <a:rPr kumimoji="1" lang="en-US" altLang="zh-CN" sz="2000" dirty="0" smtClean="0">
+                    <a:solidFill>
+                      <a:srgbClr val="7030A0"/>
+                    </a:solidFill>
+                    <a:latin typeface="Times New Roman" charset="0"/>
+                    <a:ea typeface="Times New Roman" charset="0"/>
+                    <a:cs typeface="Times New Roman" charset="0"/>
+                  </a:rPr>
+                  <a:t>ontainer1</a:t>
+                </a:r>
+                <a:endParaRPr kumimoji="1" lang="zh-CN" altLang="en-US" sz="2000" dirty="0">
+                  <a:solidFill>
+                    <a:srgbClr val="7030A0"/>
+                  </a:solidFill>
+                  <a:latin typeface="Times New Roman" charset="0"/>
+                  <a:ea typeface="Times New Roman" charset="0"/>
+                  <a:cs typeface="Times New Roman" charset="0"/>
+                </a:endParaRPr>
+              </a:p>
+            </p:txBody>
+          </p:sp>
+          <p:sp>
+            <p:nvSpPr>
+              <p:cNvPr id="18" name="文本框 17"/>
+              <p:cNvSpPr txBox="1"/>
+              <p:nvPr/>
+            </p:nvSpPr>
+            <p:spPr>
+              <a:xfrm>
+                <a:off x="3042743" y="2056620"/>
+                <a:ext cx="1876097" cy="369332"/>
+              </a:xfrm>
+              <a:prstGeom prst="rect">
+                <a:avLst/>
+              </a:prstGeom>
+              <a:noFill/>
+            </p:spPr>
+            <p:txBody>
+              <a:bodyPr wrap="square" rtlCol="0">
+                <a:spAutoFit/>
+              </a:bodyPr>
+              <a:lstStyle/>
+              <a:p>
+                <a:pPr algn="r"/>
+                <a:r>
+                  <a:rPr kumimoji="1" lang="en-US" altLang="zh-CN" dirty="0" smtClean="0">
+                    <a:solidFill>
+                      <a:srgbClr val="7030A0"/>
+                    </a:solidFill>
+                    <a:latin typeface="Times New Roman" charset="0"/>
+                    <a:ea typeface="Times New Roman" charset="0"/>
+                    <a:cs typeface="Times New Roman" charset="0"/>
+                  </a:rPr>
+                  <a:t>172.17.0.2/16</a:t>
+                </a:r>
+                <a:endParaRPr kumimoji="1" lang="zh-CN" altLang="en-US" dirty="0">
+                  <a:solidFill>
+                    <a:srgbClr val="7030A0"/>
+                  </a:solidFill>
+                  <a:latin typeface="Times New Roman" charset="0"/>
+                  <a:ea typeface="Times New Roman" charset="0"/>
+                  <a:cs typeface="Times New Roman" charset="0"/>
+                </a:endParaRPr>
+              </a:p>
+            </p:txBody>
+          </p:sp>
+          <p:sp>
+            <p:nvSpPr>
+              <p:cNvPr id="19" name="六边形 18"/>
+              <p:cNvSpPr/>
+              <p:nvPr/>
+            </p:nvSpPr>
+            <p:spPr>
+              <a:xfrm>
+                <a:off x="2561896" y="2569779"/>
+                <a:ext cx="1513489" cy="378373"/>
+              </a:xfrm>
+              <a:prstGeom prst="hexagon">
+                <a:avLst>
+                  <a:gd name="adj" fmla="val 33333"/>
+                  <a:gd name="vf" fmla="val 115470"/>
+                </a:avLst>
+              </a:prstGeom>
+              <a:solidFill>
+                <a:schemeClr val="accent4">
+                  <a:lumMod val="20000"/>
+                  <a:lumOff val="80000"/>
+                </a:schemeClr>
+              </a:solidFill>
+            </p:spPr>
+            <p:style>
+              <a:lnRef idx="2">
+                <a:schemeClr val="accent1">
+                  <a:shade val="50000"/>
+                </a:schemeClr>
+              </a:lnRef>
+              <a:fillRef idx="1">
+                <a:schemeClr val="accent1"/>
+              </a:fillRef>
+              <a:effectRef idx="0">
+                <a:schemeClr val="accent1"/>
+              </a:effectRef>
+              <a:fontRef idx="minor">
+                <a:schemeClr val="lt1"/>
+              </a:fontRef>
+            </p:style>
+            <p:txBody>
+              <a:bodyPr rtlCol="0" anchor="ctr"/>
+              <a:lstStyle/>
+              <a:p>
+                <a:pPr algn="ctr"/>
+                <a:endParaRPr kumimoji="1" lang="zh-CN" altLang="en-US"/>
+              </a:p>
+            </p:txBody>
+          </p:sp>
+          <p:sp>
+            <p:nvSpPr>
+              <p:cNvPr id="20" name="文本框 19"/>
+              <p:cNvSpPr txBox="1"/>
+              <p:nvPr/>
+            </p:nvSpPr>
+            <p:spPr>
+              <a:xfrm>
+                <a:off x="2735316" y="2569779"/>
+                <a:ext cx="1166648" cy="369332"/>
+              </a:xfrm>
+              <a:prstGeom prst="rect">
+                <a:avLst/>
+              </a:prstGeom>
+              <a:noFill/>
+            </p:spPr>
+            <p:txBody>
+              <a:bodyPr wrap="square" rtlCol="0">
+                <a:spAutoFit/>
+              </a:bodyPr>
+              <a:lstStyle/>
+              <a:p>
+                <a:pPr algn="ctr"/>
+                <a:r>
+                  <a:rPr kumimoji="1" lang="en-US" altLang="zh-CN" dirty="0" smtClean="0">
+                    <a:solidFill>
+                      <a:srgbClr val="7030A0"/>
+                    </a:solidFill>
+                    <a:latin typeface="Times New Roman" charset="0"/>
+                    <a:ea typeface="Times New Roman" charset="0"/>
+                    <a:cs typeface="Times New Roman" charset="0"/>
+                  </a:rPr>
+                  <a:t>eth0</a:t>
+                </a:r>
+                <a:endParaRPr kumimoji="1" lang="zh-CN" altLang="en-US" dirty="0">
+                  <a:solidFill>
+                    <a:srgbClr val="7030A0"/>
+                  </a:solidFill>
+                  <a:latin typeface="Times New Roman" charset="0"/>
+                  <a:ea typeface="Times New Roman" charset="0"/>
+                  <a:cs typeface="Times New Roman" charset="0"/>
+                </a:endParaRPr>
+              </a:p>
+            </p:txBody>
+          </p:sp>
+        </p:grpSp>
         <p:sp>
           <p:nvSpPr>
-            <p:cNvPr id="22" name="六边形 21"/>
+            <p:cNvPr id="21" name="圆角矩形 20"/>
             <p:cNvSpPr/>
             <p:nvPr/>
           </p:nvSpPr>
           <p:spPr>
             <a:xfrm>
-              <a:off x="2525107" y="3447398"/>
-              <a:ext cx="1513489" cy="378373"/>
+              <a:off x="1608082" y="3440594"/>
+              <a:ext cx="7551678" cy="804042"/>
             </a:xfrm>
-            <a:prstGeom prst="hexagon">
-              <a:avLst>
-                <a:gd name="adj" fmla="val 33333"/>
-                <a:gd name="vf" fmla="val 115470"/>
-              </a:avLst>
+            <a:prstGeom prst="roundRect">
+              <a:avLst/>
             </a:prstGeom>
             <a:solidFill>
-              <a:schemeClr val="accent4">
-                <a:lumMod val="20000"/>
-                <a:lumOff val="80000"/>
+              <a:schemeClr val="accent1">
+                <a:lumMod val="40000"/>
+                <a:lumOff val="60000"/>
               </a:schemeClr>
             </a:solidFill>
           </p:spPr>
@@ -3669,16 +3621,318 @@
             </a:p>
           </p:txBody>
         </p:sp>
+        <p:grpSp>
+          <p:nvGrpSpPr>
+            <p:cNvPr id="24" name="组 23"/>
+            <p:cNvGrpSpPr/>
+            <p:nvPr/>
+          </p:nvGrpSpPr>
+          <p:grpSpPr>
+            <a:xfrm>
+              <a:off x="2561895" y="3431553"/>
+              <a:ext cx="1513489" cy="378373"/>
+              <a:chOff x="2525107" y="3447398"/>
+              <a:chExt cx="1513489" cy="378373"/>
+            </a:xfrm>
+          </p:grpSpPr>
+          <p:sp>
+            <p:nvSpPr>
+              <p:cNvPr id="22" name="六边形 21"/>
+              <p:cNvSpPr/>
+              <p:nvPr/>
+            </p:nvSpPr>
+            <p:spPr>
+              <a:xfrm>
+                <a:off x="2525107" y="3447398"/>
+                <a:ext cx="1513489" cy="378373"/>
+              </a:xfrm>
+              <a:prstGeom prst="hexagon">
+                <a:avLst>
+                  <a:gd name="adj" fmla="val 33333"/>
+                  <a:gd name="vf" fmla="val 115470"/>
+                </a:avLst>
+              </a:prstGeom>
+              <a:solidFill>
+                <a:schemeClr val="accent4">
+                  <a:lumMod val="20000"/>
+                  <a:lumOff val="80000"/>
+                </a:schemeClr>
+              </a:solidFill>
+            </p:spPr>
+            <p:style>
+              <a:lnRef idx="2">
+                <a:schemeClr val="accent1">
+                  <a:shade val="50000"/>
+                </a:schemeClr>
+              </a:lnRef>
+              <a:fillRef idx="1">
+                <a:schemeClr val="accent1"/>
+              </a:fillRef>
+              <a:effectRef idx="0">
+                <a:schemeClr val="accent1"/>
+              </a:effectRef>
+              <a:fontRef idx="minor">
+                <a:schemeClr val="lt1"/>
+              </a:fontRef>
+            </p:style>
+            <p:txBody>
+              <a:bodyPr rtlCol="0" anchor="ctr"/>
+              <a:lstStyle/>
+              <a:p>
+                <a:pPr algn="ctr"/>
+                <a:endParaRPr kumimoji="1" lang="zh-CN" altLang="en-US"/>
+              </a:p>
+            </p:txBody>
+          </p:sp>
+          <p:sp>
+            <p:nvSpPr>
+              <p:cNvPr id="23" name="文本框 22"/>
+              <p:cNvSpPr txBox="1"/>
+              <p:nvPr/>
+            </p:nvSpPr>
+            <p:spPr>
+              <a:xfrm>
+                <a:off x="2698527" y="3447398"/>
+                <a:ext cx="1166648" cy="369332"/>
+              </a:xfrm>
+              <a:prstGeom prst="rect">
+                <a:avLst/>
+              </a:prstGeom>
+              <a:noFill/>
+            </p:spPr>
+            <p:txBody>
+              <a:bodyPr wrap="square" rtlCol="0">
+                <a:spAutoFit/>
+              </a:bodyPr>
+              <a:lstStyle/>
+              <a:p>
+                <a:pPr algn="ctr"/>
+                <a:r>
+                  <a:rPr kumimoji="1" lang="en-US" altLang="zh-CN" dirty="0">
+                    <a:solidFill>
+                      <a:srgbClr val="7030A0"/>
+                    </a:solidFill>
+                    <a:latin typeface="Times New Roman" charset="0"/>
+                    <a:ea typeface="Times New Roman" charset="0"/>
+                    <a:cs typeface="Times New Roman" charset="0"/>
+                  </a:rPr>
+                  <a:t>v</a:t>
+                </a:r>
+                <a:r>
+                  <a:rPr kumimoji="1" lang="en-US" altLang="zh-CN" dirty="0" smtClean="0">
+                    <a:solidFill>
+                      <a:srgbClr val="7030A0"/>
+                    </a:solidFill>
+                    <a:latin typeface="Times New Roman" charset="0"/>
+                    <a:ea typeface="Times New Roman" charset="0"/>
+                    <a:cs typeface="Times New Roman" charset="0"/>
+                  </a:rPr>
+                  <a:t>eth*</a:t>
+                </a:r>
+                <a:endParaRPr kumimoji="1" lang="zh-CN" altLang="en-US" dirty="0">
+                  <a:solidFill>
+                    <a:srgbClr val="7030A0"/>
+                  </a:solidFill>
+                  <a:latin typeface="Times New Roman" charset="0"/>
+                  <a:ea typeface="Times New Roman" charset="0"/>
+                  <a:cs typeface="Times New Roman" charset="0"/>
+                </a:endParaRPr>
+              </a:p>
+            </p:txBody>
+          </p:sp>
+        </p:grpSp>
+        <p:grpSp>
+          <p:nvGrpSpPr>
+            <p:cNvPr id="25" name="组 24"/>
+            <p:cNvGrpSpPr/>
+            <p:nvPr/>
+          </p:nvGrpSpPr>
+          <p:grpSpPr>
+            <a:xfrm>
+              <a:off x="6692455" y="3440594"/>
+              <a:ext cx="1513489" cy="378373"/>
+              <a:chOff x="2525107" y="3447398"/>
+              <a:chExt cx="1513489" cy="378373"/>
+            </a:xfrm>
+          </p:grpSpPr>
+          <p:sp>
+            <p:nvSpPr>
+              <p:cNvPr id="26" name="六边形 25"/>
+              <p:cNvSpPr/>
+              <p:nvPr/>
+            </p:nvSpPr>
+            <p:spPr>
+              <a:xfrm>
+                <a:off x="2525107" y="3447398"/>
+                <a:ext cx="1513489" cy="378373"/>
+              </a:xfrm>
+              <a:prstGeom prst="hexagon">
+                <a:avLst>
+                  <a:gd name="adj" fmla="val 33333"/>
+                  <a:gd name="vf" fmla="val 115470"/>
+                </a:avLst>
+              </a:prstGeom>
+              <a:solidFill>
+                <a:schemeClr val="accent4">
+                  <a:lumMod val="20000"/>
+                  <a:lumOff val="80000"/>
+                </a:schemeClr>
+              </a:solidFill>
+            </p:spPr>
+            <p:style>
+              <a:lnRef idx="2">
+                <a:schemeClr val="accent1">
+                  <a:shade val="50000"/>
+                </a:schemeClr>
+              </a:lnRef>
+              <a:fillRef idx="1">
+                <a:schemeClr val="accent1"/>
+              </a:fillRef>
+              <a:effectRef idx="0">
+                <a:schemeClr val="accent1"/>
+              </a:effectRef>
+              <a:fontRef idx="minor">
+                <a:schemeClr val="lt1"/>
+              </a:fontRef>
+            </p:style>
+            <p:txBody>
+              <a:bodyPr rtlCol="0" anchor="ctr"/>
+              <a:lstStyle/>
+              <a:p>
+                <a:pPr algn="ctr"/>
+                <a:endParaRPr kumimoji="1" lang="zh-CN" altLang="en-US"/>
+              </a:p>
+            </p:txBody>
+          </p:sp>
+          <p:sp>
+            <p:nvSpPr>
+              <p:cNvPr id="27" name="文本框 26"/>
+              <p:cNvSpPr txBox="1"/>
+              <p:nvPr/>
+            </p:nvSpPr>
+            <p:spPr>
+              <a:xfrm>
+                <a:off x="2698527" y="3447398"/>
+                <a:ext cx="1166648" cy="369332"/>
+              </a:xfrm>
+              <a:prstGeom prst="rect">
+                <a:avLst/>
+              </a:prstGeom>
+              <a:noFill/>
+            </p:spPr>
+            <p:txBody>
+              <a:bodyPr wrap="square" rtlCol="0">
+                <a:spAutoFit/>
+              </a:bodyPr>
+              <a:lstStyle/>
+              <a:p>
+                <a:pPr algn="ctr"/>
+                <a:r>
+                  <a:rPr kumimoji="1" lang="en-US" altLang="zh-CN" dirty="0">
+                    <a:solidFill>
+                      <a:srgbClr val="7030A0"/>
+                    </a:solidFill>
+                    <a:latin typeface="Times New Roman" charset="0"/>
+                    <a:ea typeface="Times New Roman" charset="0"/>
+                    <a:cs typeface="Times New Roman" charset="0"/>
+                  </a:rPr>
+                  <a:t>v</a:t>
+                </a:r>
+                <a:r>
+                  <a:rPr kumimoji="1" lang="en-US" altLang="zh-CN" dirty="0" smtClean="0">
+                    <a:solidFill>
+                      <a:srgbClr val="7030A0"/>
+                    </a:solidFill>
+                    <a:latin typeface="Times New Roman" charset="0"/>
+                    <a:ea typeface="Times New Roman" charset="0"/>
+                    <a:cs typeface="Times New Roman" charset="0"/>
+                  </a:rPr>
+                  <a:t>eth*</a:t>
+                </a:r>
+                <a:endParaRPr kumimoji="1" lang="zh-CN" altLang="en-US" dirty="0">
+                  <a:solidFill>
+                    <a:srgbClr val="7030A0"/>
+                  </a:solidFill>
+                  <a:latin typeface="Times New Roman" charset="0"/>
+                  <a:ea typeface="Times New Roman" charset="0"/>
+                  <a:cs typeface="Times New Roman" charset="0"/>
+                </a:endParaRPr>
+              </a:p>
+            </p:txBody>
+          </p:sp>
+        </p:grpSp>
+        <p:cxnSp>
+          <p:nvCxnSpPr>
+            <p:cNvPr id="29" name="直线连接符 28"/>
+            <p:cNvCxnSpPr>
+              <a:endCxn id="23" idx="0"/>
+            </p:cNvCxnSpPr>
+            <p:nvPr/>
+          </p:nvCxnSpPr>
+          <p:spPr>
+            <a:xfrm>
+              <a:off x="3318639" y="2964237"/>
+              <a:ext cx="0" cy="467316"/>
+            </a:xfrm>
+            <a:prstGeom prst="line">
+              <a:avLst/>
+            </a:prstGeom>
+          </p:spPr>
+          <p:style>
+            <a:lnRef idx="1">
+              <a:schemeClr val="accent1"/>
+            </a:lnRef>
+            <a:fillRef idx="0">
+              <a:schemeClr val="accent1"/>
+            </a:fillRef>
+            <a:effectRef idx="0">
+              <a:schemeClr val="accent1"/>
+            </a:effectRef>
+            <a:fontRef idx="minor">
+              <a:schemeClr val="tx1"/>
+            </a:fontRef>
+          </p:style>
+        </p:cxnSp>
+        <p:cxnSp>
+          <p:nvCxnSpPr>
+            <p:cNvPr id="30" name="直线连接符 29"/>
+            <p:cNvCxnSpPr/>
+            <p:nvPr/>
+          </p:nvCxnSpPr>
+          <p:spPr>
+            <a:xfrm>
+              <a:off x="7472839" y="2945836"/>
+              <a:ext cx="0" cy="467316"/>
+            </a:xfrm>
+            <a:prstGeom prst="line">
+              <a:avLst/>
+            </a:prstGeom>
+          </p:spPr>
+          <p:style>
+            <a:lnRef idx="1">
+              <a:schemeClr val="accent1"/>
+            </a:lnRef>
+            <a:fillRef idx="0">
+              <a:schemeClr val="accent1"/>
+            </a:fillRef>
+            <a:effectRef idx="0">
+              <a:schemeClr val="accent1"/>
+            </a:effectRef>
+            <a:fontRef idx="minor">
+              <a:schemeClr val="tx1"/>
+            </a:fontRef>
+          </p:style>
+        </p:cxnSp>
         <p:sp>
           <p:nvSpPr>
-            <p:cNvPr id="23" name="文本框 22"/>
+            <p:cNvPr id="31" name="文本框 30"/>
             <p:cNvSpPr txBox="1"/>
             <p:nvPr/>
           </p:nvSpPr>
           <p:spPr>
             <a:xfrm>
-              <a:off x="2698527" y="3447398"/>
-              <a:ext cx="1166648" cy="369332"/>
+              <a:off x="4189685" y="3863250"/>
+              <a:ext cx="2420003" cy="369332"/>
             </a:xfrm>
             <a:prstGeom prst="rect">
               <a:avLst/>
@@ -3693,7 +3947,7 @@
             <a:p>
               <a:pPr algn="ctr"/>
               <a:r>
-                <a:rPr kumimoji="1" lang="en-US" altLang="zh-CN" dirty="0">
+                <a:rPr kumimoji="1" lang="en-US" altLang="zh-CN">
                   <a:solidFill>
                     <a:srgbClr val="7030A0"/>
                   </a:solidFill>
@@ -3701,10 +3955,10 @@
                   <a:ea typeface="Times New Roman" charset="0"/>
                   <a:cs typeface="Times New Roman" charset="0"/>
                 </a:rPr>
-                <a:t>v</a:t>
+                <a:t>d</a:t>
               </a:r>
               <a:r>
-                <a:rPr kumimoji="1" lang="en-US" altLang="zh-CN" dirty="0" smtClean="0">
+                <a:rPr kumimoji="1" lang="en-US" altLang="zh-CN" smtClean="0">
                   <a:solidFill>
                     <a:srgbClr val="7030A0"/>
                   </a:solidFill>
@@ -3712,7 +3966,7 @@
                   <a:ea typeface="Times New Roman" charset="0"/>
                   <a:cs typeface="Times New Roman" charset="0"/>
                 </a:rPr>
-                <a:t>eth*</a:t>
+                <a:t>ocker0 172.17.42.1/16</a:t>
               </a:r>
               <a:endParaRPr kumimoji="1" lang="zh-CN" altLang="en-US" dirty="0">
                 <a:solidFill>
@@ -3725,318 +3979,125 @@
             </a:p>
           </p:txBody>
         </p:sp>
-      </p:grpSp>
-      <p:grpSp>
-        <p:nvGrpSpPr>
-          <p:cNvPr id="25" name="组 24"/>
-          <p:cNvGrpSpPr/>
-          <p:nvPr/>
-        </p:nvGrpSpPr>
-        <p:grpSpPr>
-          <a:xfrm>
-            <a:off x="6692455" y="3440594"/>
-            <a:ext cx="1513489" cy="378373"/>
-            <a:chOff x="2525107" y="3447398"/>
-            <a:chExt cx="1513489" cy="378373"/>
-          </a:xfrm>
-        </p:grpSpPr>
-        <p:sp>
-          <p:nvSpPr>
-            <p:cNvPr id="26" name="六边形 25"/>
-            <p:cNvSpPr/>
+        <p:grpSp>
+          <p:nvGrpSpPr>
+            <p:cNvPr id="32" name="组 31"/>
+            <p:cNvGrpSpPr/>
             <p:nvPr/>
-          </p:nvSpPr>
-          <p:spPr>
+          </p:nvGrpSpPr>
+          <p:grpSpPr>
             <a:xfrm>
-              <a:off x="2525107" y="3447398"/>
+              <a:off x="4642941" y="4674634"/>
               <a:ext cx="1513489" cy="378373"/>
+              <a:chOff x="2525107" y="3447398"/>
+              <a:chExt cx="1513489" cy="378373"/>
             </a:xfrm>
-            <a:prstGeom prst="hexagon">
-              <a:avLst>
-                <a:gd name="adj" fmla="val 33333"/>
-                <a:gd name="vf" fmla="val 115470"/>
-              </a:avLst>
-            </a:prstGeom>
-            <a:solidFill>
-              <a:schemeClr val="accent4">
-                <a:lumMod val="20000"/>
-                <a:lumOff val="80000"/>
-              </a:schemeClr>
-            </a:solidFill>
-          </p:spPr>
-          <p:style>
-            <a:lnRef idx="2">
-              <a:schemeClr val="accent1">
-                <a:shade val="50000"/>
-              </a:schemeClr>
-            </a:lnRef>
-            <a:fillRef idx="1">
-              <a:schemeClr val="accent1"/>
-            </a:fillRef>
-            <a:effectRef idx="0">
-              <a:schemeClr val="accent1"/>
-            </a:effectRef>
-            <a:fontRef idx="minor">
-              <a:schemeClr val="lt1"/>
-            </a:fontRef>
-          </p:style>
-          <p:txBody>
-            <a:bodyPr rtlCol="0" anchor="ctr"/>
-            <a:lstStyle/>
-            <a:p>
-              <a:pPr algn="ctr"/>
-              <a:endParaRPr kumimoji="1" lang="zh-CN" altLang="en-US"/>
-            </a:p>
-          </p:txBody>
-        </p:sp>
-        <p:sp>
-          <p:nvSpPr>
-            <p:cNvPr id="27" name="文本框 26"/>
-            <p:cNvSpPr txBox="1"/>
-            <p:nvPr/>
-          </p:nvSpPr>
-          <p:spPr>
-            <a:xfrm>
-              <a:off x="2698527" y="3447398"/>
-              <a:ext cx="1166648" cy="369332"/>
-            </a:xfrm>
-            <a:prstGeom prst="rect">
-              <a:avLst/>
-            </a:prstGeom>
-            <a:noFill/>
-          </p:spPr>
-          <p:txBody>
-            <a:bodyPr wrap="square" rtlCol="0">
-              <a:spAutoFit/>
-            </a:bodyPr>
-            <a:lstStyle/>
-            <a:p>
-              <a:pPr algn="ctr"/>
-              <a:r>
-                <a:rPr kumimoji="1" lang="en-US" altLang="zh-CN" dirty="0">
+          </p:grpSpPr>
+          <p:sp>
+            <p:nvSpPr>
+              <p:cNvPr id="33" name="六边形 32"/>
+              <p:cNvSpPr/>
+              <p:nvPr/>
+            </p:nvSpPr>
+            <p:spPr>
+              <a:xfrm>
+                <a:off x="2525107" y="3447398"/>
+                <a:ext cx="1513489" cy="378373"/>
+              </a:xfrm>
+              <a:prstGeom prst="hexagon">
+                <a:avLst>
+                  <a:gd name="adj" fmla="val 33333"/>
+                  <a:gd name="vf" fmla="val 115470"/>
+                </a:avLst>
+              </a:prstGeom>
+              <a:solidFill>
+                <a:schemeClr val="accent4">
+                  <a:lumMod val="20000"/>
+                  <a:lumOff val="80000"/>
+                </a:schemeClr>
+              </a:solidFill>
+            </p:spPr>
+            <p:style>
+              <a:lnRef idx="2">
+                <a:schemeClr val="accent1">
+                  <a:shade val="50000"/>
+                </a:schemeClr>
+              </a:lnRef>
+              <a:fillRef idx="1">
+                <a:schemeClr val="accent1"/>
+              </a:fillRef>
+              <a:effectRef idx="0">
+                <a:schemeClr val="accent1"/>
+              </a:effectRef>
+              <a:fontRef idx="minor">
+                <a:schemeClr val="lt1"/>
+              </a:fontRef>
+            </p:style>
+            <p:txBody>
+              <a:bodyPr rtlCol="0" anchor="ctr"/>
+              <a:lstStyle/>
+              <a:p>
+                <a:pPr algn="ctr"/>
+                <a:endParaRPr kumimoji="1" lang="zh-CN" altLang="en-US"/>
+              </a:p>
+            </p:txBody>
+          </p:sp>
+          <p:sp>
+            <p:nvSpPr>
+              <p:cNvPr id="34" name="文本框 33"/>
+              <p:cNvSpPr txBox="1"/>
+              <p:nvPr/>
+            </p:nvSpPr>
+            <p:spPr>
+              <a:xfrm>
+                <a:off x="2698527" y="3447398"/>
+                <a:ext cx="1166648" cy="369332"/>
+              </a:xfrm>
+              <a:prstGeom prst="rect">
+                <a:avLst/>
+              </a:prstGeom>
+              <a:noFill/>
+            </p:spPr>
+            <p:txBody>
+              <a:bodyPr wrap="square" rtlCol="0">
+                <a:spAutoFit/>
+              </a:bodyPr>
+              <a:lstStyle/>
+              <a:p>
+                <a:pPr algn="ctr"/>
+                <a:r>
+                  <a:rPr kumimoji="1" lang="en-US" altLang="zh-CN" dirty="0" smtClean="0">
+                    <a:solidFill>
+                      <a:srgbClr val="7030A0"/>
+                    </a:solidFill>
+                    <a:latin typeface="Times New Roman" charset="0"/>
+                    <a:ea typeface="Times New Roman" charset="0"/>
+                    <a:cs typeface="Times New Roman" charset="0"/>
+                  </a:rPr>
+                  <a:t>eth0</a:t>
+                </a:r>
+                <a:endParaRPr kumimoji="1" lang="zh-CN" altLang="en-US" dirty="0">
                   <a:solidFill>
                     <a:srgbClr val="7030A0"/>
                   </a:solidFill>
                   <a:latin typeface="Times New Roman" charset="0"/>
                   <a:ea typeface="Times New Roman" charset="0"/>
                   <a:cs typeface="Times New Roman" charset="0"/>
-                </a:rPr>
-                <a:t>v</a:t>
-              </a:r>
-              <a:r>
-                <a:rPr kumimoji="1" lang="en-US" altLang="zh-CN" dirty="0" smtClean="0">
-                  <a:solidFill>
-                    <a:srgbClr val="7030A0"/>
-                  </a:solidFill>
-                  <a:latin typeface="Times New Roman" charset="0"/>
-                  <a:ea typeface="Times New Roman" charset="0"/>
-                  <a:cs typeface="Times New Roman" charset="0"/>
-                </a:rPr>
-                <a:t>eth*</a:t>
-              </a:r>
-              <a:endParaRPr kumimoji="1" lang="zh-CN" altLang="en-US" dirty="0">
-                <a:solidFill>
-                  <a:srgbClr val="7030A0"/>
-                </a:solidFill>
-                <a:latin typeface="Times New Roman" charset="0"/>
-                <a:ea typeface="Times New Roman" charset="0"/>
-                <a:cs typeface="Times New Roman" charset="0"/>
-              </a:endParaRPr>
-            </a:p>
-          </p:txBody>
-        </p:sp>
-      </p:grpSp>
-      <p:cxnSp>
-        <p:nvCxnSpPr>
-          <p:cNvPr id="29" name="直线连接符 28"/>
-          <p:cNvCxnSpPr>
-            <a:endCxn id="23" idx="0"/>
-          </p:cNvCxnSpPr>
-          <p:nvPr/>
-        </p:nvCxnSpPr>
-        <p:spPr>
-          <a:xfrm>
-            <a:off x="3318639" y="2964237"/>
-            <a:ext cx="0" cy="467316"/>
-          </a:xfrm>
-          <a:prstGeom prst="line">
-            <a:avLst/>
-          </a:prstGeom>
-        </p:spPr>
-        <p:style>
-          <a:lnRef idx="1">
-            <a:schemeClr val="accent1"/>
-          </a:lnRef>
-          <a:fillRef idx="0">
-            <a:schemeClr val="accent1"/>
-          </a:fillRef>
-          <a:effectRef idx="0">
-            <a:schemeClr val="accent1"/>
-          </a:effectRef>
-          <a:fontRef idx="minor">
-            <a:schemeClr val="tx1"/>
-          </a:fontRef>
-        </p:style>
-      </p:cxnSp>
-      <p:cxnSp>
-        <p:nvCxnSpPr>
-          <p:cNvPr id="30" name="直线连接符 29"/>
-          <p:cNvCxnSpPr/>
-          <p:nvPr/>
-        </p:nvCxnSpPr>
-        <p:spPr>
-          <a:xfrm>
-            <a:off x="7472839" y="2945836"/>
-            <a:ext cx="0" cy="467316"/>
-          </a:xfrm>
-          <a:prstGeom prst="line">
-            <a:avLst/>
-          </a:prstGeom>
-        </p:spPr>
-        <p:style>
-          <a:lnRef idx="1">
-            <a:schemeClr val="accent1"/>
-          </a:lnRef>
-          <a:fillRef idx="0">
-            <a:schemeClr val="accent1"/>
-          </a:fillRef>
-          <a:effectRef idx="0">
-            <a:schemeClr val="accent1"/>
-          </a:effectRef>
-          <a:fontRef idx="minor">
-            <a:schemeClr val="tx1"/>
-          </a:fontRef>
-        </p:style>
-      </p:cxnSp>
-      <p:sp>
-        <p:nvSpPr>
-          <p:cNvPr id="31" name="文本框 30"/>
-          <p:cNvSpPr txBox="1"/>
-          <p:nvPr/>
-        </p:nvSpPr>
-        <p:spPr>
-          <a:xfrm>
-            <a:off x="4189685" y="3863250"/>
-            <a:ext cx="2420003" cy="369332"/>
-          </a:xfrm>
-          <a:prstGeom prst="rect">
-            <a:avLst/>
-          </a:prstGeom>
-          <a:noFill/>
-        </p:spPr>
-        <p:txBody>
-          <a:bodyPr wrap="square" rtlCol="0">
-            <a:spAutoFit/>
-          </a:bodyPr>
-          <a:lstStyle/>
-          <a:p>
-            <a:pPr algn="ctr"/>
-            <a:r>
-              <a:rPr kumimoji="1" lang="en-US" altLang="zh-CN">
-                <a:solidFill>
-                  <a:srgbClr val="7030A0"/>
-                </a:solidFill>
-                <a:latin typeface="Times New Roman" charset="0"/>
-                <a:ea typeface="Times New Roman" charset="0"/>
-                <a:cs typeface="Times New Roman" charset="0"/>
-              </a:rPr>
-              <a:t>d</a:t>
-            </a:r>
-            <a:r>
-              <a:rPr kumimoji="1" lang="en-US" altLang="zh-CN" smtClean="0">
-                <a:solidFill>
-                  <a:srgbClr val="7030A0"/>
-                </a:solidFill>
-                <a:latin typeface="Times New Roman" charset="0"/>
-                <a:ea typeface="Times New Roman" charset="0"/>
-                <a:cs typeface="Times New Roman" charset="0"/>
-              </a:rPr>
-              <a:t>ocker0 172.17.42.1/16</a:t>
-            </a:r>
-            <a:endParaRPr kumimoji="1" lang="zh-CN" altLang="en-US" dirty="0">
-              <a:solidFill>
-                <a:srgbClr val="7030A0"/>
-              </a:solidFill>
-              <a:latin typeface="Times New Roman" charset="0"/>
-              <a:ea typeface="Times New Roman" charset="0"/>
-              <a:cs typeface="Times New Roman" charset="0"/>
-            </a:endParaRPr>
-          </a:p>
-        </p:txBody>
-      </p:sp>
-      <p:grpSp>
-        <p:nvGrpSpPr>
-          <p:cNvPr id="32" name="组 31"/>
-          <p:cNvGrpSpPr/>
-          <p:nvPr/>
-        </p:nvGrpSpPr>
-        <p:grpSpPr>
-          <a:xfrm>
-            <a:off x="4642941" y="4674634"/>
-            <a:ext cx="1513489" cy="378373"/>
-            <a:chOff x="2525107" y="3447398"/>
-            <a:chExt cx="1513489" cy="378373"/>
-          </a:xfrm>
-        </p:grpSpPr>
+                </a:endParaRPr>
+              </a:p>
+            </p:txBody>
+          </p:sp>
+        </p:grpSp>
         <p:sp>
           <p:nvSpPr>
-            <p:cNvPr id="33" name="六边形 32"/>
-            <p:cNvSpPr/>
-            <p:nvPr/>
-          </p:nvSpPr>
-          <p:spPr>
-            <a:xfrm>
-              <a:off x="2525107" y="3447398"/>
-              <a:ext cx="1513489" cy="378373"/>
-            </a:xfrm>
-            <a:prstGeom prst="hexagon">
-              <a:avLst>
-                <a:gd name="adj" fmla="val 33333"/>
-                <a:gd name="vf" fmla="val 115470"/>
-              </a:avLst>
-            </a:prstGeom>
-            <a:solidFill>
-              <a:schemeClr val="accent4">
-                <a:lumMod val="20000"/>
-                <a:lumOff val="80000"/>
-              </a:schemeClr>
-            </a:solidFill>
-          </p:spPr>
-          <p:style>
-            <a:lnRef idx="2">
-              <a:schemeClr val="accent1">
-                <a:shade val="50000"/>
-              </a:schemeClr>
-            </a:lnRef>
-            <a:fillRef idx="1">
-              <a:schemeClr val="accent1"/>
-            </a:fillRef>
-            <a:effectRef idx="0">
-              <a:schemeClr val="accent1"/>
-            </a:effectRef>
-            <a:fontRef idx="minor">
-              <a:schemeClr val="lt1"/>
-            </a:fontRef>
-          </p:style>
-          <p:txBody>
-            <a:bodyPr rtlCol="0" anchor="ctr"/>
-            <a:lstStyle/>
-            <a:p>
-              <a:pPr algn="ctr"/>
-              <a:endParaRPr kumimoji="1" lang="zh-CN" altLang="en-US"/>
-            </a:p>
-          </p:txBody>
-        </p:sp>
-        <p:sp>
-          <p:nvSpPr>
-            <p:cNvPr id="34" name="文本框 33"/>
+            <p:cNvPr id="35" name="文本框 34"/>
             <p:cNvSpPr txBox="1"/>
             <p:nvPr/>
           </p:nvSpPr>
           <p:spPr>
             <a:xfrm>
-              <a:off x="2698527" y="3447398"/>
-              <a:ext cx="1166648" cy="369332"/>
+              <a:off x="6329850" y="4674634"/>
+              <a:ext cx="2420003" cy="369332"/>
             </a:xfrm>
             <a:prstGeom prst="rect">
               <a:avLst/>
@@ -4059,7 +4120,7 @@
                   <a:ea typeface="Times New Roman" charset="0"/>
                   <a:cs typeface="Times New Roman" charset="0"/>
                 </a:rPr>
-                <a:t>eth0</a:t>
+                <a:t>10.10.101.105/24</a:t>
               </a:r>
               <a:endParaRPr kumimoji="1" lang="zh-CN" altLang="en-US" dirty="0">
                 <a:solidFill>
@@ -4073,16 +4134,94 @@
           </p:txBody>
         </p:sp>
       </p:grpSp>
-      <p:sp>
-        <p:nvSpPr>
-          <p:cNvPr id="35" name="文本框 34"/>
+    </p:spTree>
+    <p:extLst>
+      <p:ext uri="{BB962C8B-B14F-4D97-AF65-F5344CB8AC3E}">
+        <p14:creationId xmlns:p14="http://schemas.microsoft.com/office/powerpoint/2010/main" val="68757829"/>
+      </p:ext>
+    </p:extLst>
+  </p:cSld>
+  <p:clrMapOvr>
+    <a:masterClrMapping/>
+  </p:clrMapOvr>
+</p:sld>
+</file>
+
+<file path=ppt/slides/slide2.xml><?xml version="1.0" encoding="utf-8"?>
+<p:sld xmlns:a="http://schemas.openxmlformats.org/drawingml/2006/main" xmlns:r="http://schemas.openxmlformats.org/officeDocument/2006/relationships" xmlns:p="http://schemas.openxmlformats.org/presentationml/2006/main">
+  <p:cSld>
+    <p:spTree>
+      <p:nvGrpSpPr>
+        <p:cNvPr id="1" name=""/>
+        <p:cNvGrpSpPr/>
+        <p:nvPr/>
+      </p:nvGrpSpPr>
+      <p:grpSpPr>
+        <a:xfrm>
+          <a:off x="0" y="0"/>
+          <a:ext cx="0" cy="0"/>
+          <a:chOff x="0" y="0"/>
+          <a:chExt cx="0" cy="0"/>
+        </a:xfrm>
+      </p:grpSpPr>
+      <p:sp>
+        <p:nvSpPr>
+          <p:cNvPr id="2" name="圆角矩形 1"/>
+          <p:cNvSpPr/>
+          <p:nvPr/>
+        </p:nvSpPr>
+        <p:spPr>
+          <a:xfrm>
+            <a:off x="1765738" y="804041"/>
+            <a:ext cx="2427890" cy="5234152"/>
+          </a:xfrm>
+          <a:prstGeom prst="roundRect">
+            <a:avLst>
+              <a:gd name="adj" fmla="val 5628"/>
+            </a:avLst>
+          </a:prstGeom>
+          <a:solidFill>
+            <a:schemeClr val="accent1">
+              <a:lumMod val="40000"/>
+              <a:lumOff val="60000"/>
+            </a:schemeClr>
+          </a:solidFill>
+        </p:spPr>
+        <p:style>
+          <a:lnRef idx="2">
+            <a:schemeClr val="accent1">
+              <a:shade val="50000"/>
+            </a:schemeClr>
+          </a:lnRef>
+          <a:fillRef idx="1">
+            <a:schemeClr val="accent1"/>
+          </a:fillRef>
+          <a:effectRef idx="0">
+            <a:schemeClr val="accent1"/>
+          </a:effectRef>
+          <a:fontRef idx="minor">
+            <a:schemeClr val="lt1"/>
+          </a:fontRef>
+        </p:style>
+        <p:txBody>
+          <a:bodyPr rtlCol="0" anchor="ctr"/>
+          <a:lstStyle/>
+          <a:p>
+            <a:pPr algn="ctr"/>
+            <a:endParaRPr kumimoji="1" lang="zh-CN" altLang="en-US"/>
+          </a:p>
+        </p:txBody>
+      </p:sp>
+      <p:sp>
+        <p:nvSpPr>
+          <p:cNvPr id="3" name="文本框 2"/>
           <p:cNvSpPr txBox="1"/>
           <p:nvPr/>
         </p:nvSpPr>
         <p:spPr>
           <a:xfrm>
-            <a:off x="6329850" y="4674634"/>
-            <a:ext cx="2420003" cy="369332"/>
+            <a:off x="2230821" y="961696"/>
+            <a:ext cx="1497724" cy="400110"/>
           </a:xfrm>
           <a:prstGeom prst="rect">
             <a:avLst/>
@@ -4097,7 +4236,7 @@
           <a:p>
             <a:pPr algn="ctr"/>
             <a:r>
-              <a:rPr kumimoji="1" lang="en-US" altLang="zh-CN" dirty="0" smtClean="0">
+              <a:rPr kumimoji="1" lang="en-US" altLang="zh-CN" sz="2000" b="1" smtClean="0">
                 <a:solidFill>
                   <a:srgbClr val="7030A0"/>
                 </a:solidFill>
@@ -4105,9 +4244,9 @@
                 <a:ea typeface="Times New Roman" charset="0"/>
                 <a:cs typeface="Times New Roman" charset="0"/>
               </a:rPr>
-              <a:t>10.10.101.105/24</a:t>
-            </a:r>
-            <a:endParaRPr kumimoji="1" lang="zh-CN" altLang="en-US" dirty="0">
+              <a:t>Client</a:t>
+            </a:r>
+            <a:endParaRPr kumimoji="1" lang="zh-CN" altLang="en-US" sz="2000" b="1" dirty="0">
               <a:solidFill>
                 <a:srgbClr val="7030A0"/>
               </a:solidFill>
@@ -4118,10 +4257,1271 @@
           </a:p>
         </p:txBody>
       </p:sp>
+      <p:sp>
+        <p:nvSpPr>
+          <p:cNvPr id="5" name="文本框 4"/>
+          <p:cNvSpPr txBox="1"/>
+          <p:nvPr/>
+        </p:nvSpPr>
+        <p:spPr>
+          <a:xfrm>
+            <a:off x="2029810" y="1519461"/>
+            <a:ext cx="1899745" cy="565200"/>
+          </a:xfrm>
+          <a:prstGeom prst="rect">
+            <a:avLst/>
+          </a:prstGeom>
+          <a:solidFill>
+            <a:schemeClr val="accent6">
+              <a:lumMod val="20000"/>
+              <a:lumOff val="80000"/>
+            </a:schemeClr>
+          </a:solidFill>
+          <a:ln>
+            <a:solidFill>
+              <a:schemeClr val="accent1">
+                <a:shade val="50000"/>
+              </a:schemeClr>
+            </a:solidFill>
+          </a:ln>
+        </p:spPr>
+        <p:txBody>
+          <a:bodyPr wrap="square" rtlCol="0" anchor="ctr">
+            <a:spAutoFit/>
+          </a:bodyPr>
+          <a:lstStyle/>
+          <a:p>
+            <a:pPr algn="ctr"/>
+            <a:r>
+              <a:rPr kumimoji="1" lang="en-US" altLang="zh-CN" sz="1600" dirty="0" smtClean="0">
+                <a:solidFill>
+                  <a:schemeClr val="accent6">
+                    <a:lumMod val="50000"/>
+                  </a:schemeClr>
+                </a:solidFill>
+                <a:latin typeface="Times New Roman" charset="0"/>
+                <a:ea typeface="Times New Roman" charset="0"/>
+                <a:cs typeface="Times New Roman" charset="0"/>
+              </a:rPr>
+              <a:t>Your Code</a:t>
+            </a:r>
+            <a:endParaRPr kumimoji="1" lang="zh-CN" altLang="en-US" sz="1600" dirty="0">
+              <a:solidFill>
+                <a:schemeClr val="accent6">
+                  <a:lumMod val="50000"/>
+                </a:schemeClr>
+              </a:solidFill>
+              <a:latin typeface="Times New Roman" charset="0"/>
+              <a:ea typeface="Times New Roman" charset="0"/>
+              <a:cs typeface="Times New Roman" charset="0"/>
+            </a:endParaRPr>
+          </a:p>
+        </p:txBody>
+      </p:sp>
+      <p:sp>
+        <p:nvSpPr>
+          <p:cNvPr id="6" name="文本框 5"/>
+          <p:cNvSpPr txBox="1"/>
+          <p:nvPr/>
+        </p:nvSpPr>
+        <p:spPr>
+          <a:xfrm>
+            <a:off x="2029809" y="2067439"/>
+            <a:ext cx="1899745" cy="584775"/>
+          </a:xfrm>
+          <a:prstGeom prst="rect">
+            <a:avLst/>
+          </a:prstGeom>
+          <a:solidFill>
+            <a:schemeClr val="accent5">
+              <a:lumMod val="20000"/>
+              <a:lumOff val="80000"/>
+            </a:schemeClr>
+          </a:solidFill>
+          <a:ln>
+            <a:solidFill>
+              <a:schemeClr val="accent1">
+                <a:shade val="50000"/>
+              </a:schemeClr>
+            </a:solidFill>
+          </a:ln>
+        </p:spPr>
+        <p:txBody>
+          <a:bodyPr wrap="square" rtlCol="0" anchor="ctr">
+            <a:spAutoFit/>
+          </a:bodyPr>
+          <a:lstStyle/>
+          <a:p>
+            <a:pPr algn="ctr"/>
+            <a:r>
+              <a:rPr kumimoji="1" lang="en-US" altLang="zh-CN" sz="1600" dirty="0" smtClean="0">
+                <a:solidFill>
+                  <a:schemeClr val="accent6">
+                    <a:lumMod val="50000"/>
+                  </a:schemeClr>
+                </a:solidFill>
+                <a:latin typeface="Times New Roman" charset="0"/>
+                <a:ea typeface="Times New Roman" charset="0"/>
+                <a:cs typeface="Times New Roman" charset="0"/>
+              </a:rPr>
+              <a:t>FooService.</a:t>
+            </a:r>
+          </a:p>
+          <a:p>
+            <a:pPr algn="ctr"/>
+            <a:r>
+              <a:rPr kumimoji="1" lang="en-US" altLang="zh-CN" sz="1600" dirty="0" smtClean="0">
+                <a:solidFill>
+                  <a:schemeClr val="accent6">
+                    <a:lumMod val="50000"/>
+                  </a:schemeClr>
+                </a:solidFill>
+                <a:latin typeface="Times New Roman" charset="0"/>
+                <a:ea typeface="Times New Roman" charset="0"/>
+                <a:cs typeface="Times New Roman" charset="0"/>
+              </a:rPr>
+              <a:t>Client</a:t>
+            </a:r>
+            <a:endParaRPr kumimoji="1" lang="zh-CN" altLang="en-US" sz="1600" dirty="0">
+              <a:solidFill>
+                <a:schemeClr val="accent6">
+                  <a:lumMod val="50000"/>
+                </a:schemeClr>
+              </a:solidFill>
+              <a:latin typeface="Times New Roman" charset="0"/>
+              <a:ea typeface="Times New Roman" charset="0"/>
+              <a:cs typeface="Times New Roman" charset="0"/>
+            </a:endParaRPr>
+          </a:p>
+        </p:txBody>
+      </p:sp>
+      <p:sp>
+        <p:nvSpPr>
+          <p:cNvPr id="7" name="文本框 6"/>
+          <p:cNvSpPr txBox="1"/>
+          <p:nvPr/>
+        </p:nvSpPr>
+        <p:spPr>
+          <a:xfrm>
+            <a:off x="2029808" y="2652214"/>
+            <a:ext cx="1899745" cy="584775"/>
+          </a:xfrm>
+          <a:prstGeom prst="rect">
+            <a:avLst/>
+          </a:prstGeom>
+          <a:solidFill>
+            <a:schemeClr val="accent4">
+              <a:lumMod val="20000"/>
+              <a:lumOff val="80000"/>
+            </a:schemeClr>
+          </a:solidFill>
+          <a:ln>
+            <a:solidFill>
+              <a:schemeClr val="accent1">
+                <a:shade val="50000"/>
+              </a:schemeClr>
+            </a:solidFill>
+          </a:ln>
+        </p:spPr>
+        <p:txBody>
+          <a:bodyPr wrap="square" rtlCol="0" anchor="ctr">
+            <a:spAutoFit/>
+          </a:bodyPr>
+          <a:lstStyle/>
+          <a:p>
+            <a:pPr algn="ctr"/>
+            <a:r>
+              <a:rPr kumimoji="1" lang="en-US" altLang="zh-CN" sz="1600" dirty="0" smtClean="0">
+                <a:solidFill>
+                  <a:schemeClr val="accent6">
+                    <a:lumMod val="50000"/>
+                  </a:schemeClr>
+                </a:solidFill>
+                <a:latin typeface="Times New Roman" charset="0"/>
+                <a:ea typeface="Times New Roman" charset="0"/>
+                <a:cs typeface="Times New Roman" charset="0"/>
+              </a:rPr>
+              <a:t>Foo.</a:t>
+            </a:r>
+          </a:p>
+          <a:p>
+            <a:pPr algn="ctr"/>
+            <a:r>
+              <a:rPr kumimoji="1" lang="en-US" altLang="zh-CN" sz="1600" dirty="0" smtClean="0">
+                <a:solidFill>
+                  <a:schemeClr val="accent6">
+                    <a:lumMod val="50000"/>
+                  </a:schemeClr>
+                </a:solidFill>
+                <a:latin typeface="Times New Roman" charset="0"/>
+                <a:ea typeface="Times New Roman" charset="0"/>
+                <a:cs typeface="Times New Roman" charset="0"/>
+              </a:rPr>
+              <a:t>Write()/read()</a:t>
+            </a:r>
+            <a:endParaRPr kumimoji="1" lang="zh-CN" altLang="en-US" sz="1600" dirty="0">
+              <a:solidFill>
+                <a:schemeClr val="accent6">
+                  <a:lumMod val="50000"/>
+                </a:schemeClr>
+              </a:solidFill>
+              <a:latin typeface="Times New Roman" charset="0"/>
+              <a:ea typeface="Times New Roman" charset="0"/>
+              <a:cs typeface="Times New Roman" charset="0"/>
+            </a:endParaRPr>
+          </a:p>
+        </p:txBody>
+      </p:sp>
+      <p:sp>
+        <p:nvSpPr>
+          <p:cNvPr id="8" name="文本框 7"/>
+          <p:cNvSpPr txBox="1"/>
+          <p:nvPr/>
+        </p:nvSpPr>
+        <p:spPr>
+          <a:xfrm>
+            <a:off x="2029807" y="3219767"/>
+            <a:ext cx="1899745" cy="565200"/>
+          </a:xfrm>
+          <a:prstGeom prst="rect">
+            <a:avLst/>
+          </a:prstGeom>
+          <a:solidFill>
+            <a:schemeClr val="accent2">
+              <a:lumMod val="20000"/>
+              <a:lumOff val="80000"/>
+            </a:schemeClr>
+          </a:solidFill>
+          <a:ln>
+            <a:solidFill>
+              <a:schemeClr val="accent1">
+                <a:shade val="50000"/>
+              </a:schemeClr>
+            </a:solidFill>
+          </a:ln>
+        </p:spPr>
+        <p:txBody>
+          <a:bodyPr wrap="square" rtlCol="0" anchor="ctr">
+            <a:spAutoFit/>
+          </a:bodyPr>
+          <a:lstStyle/>
+          <a:p>
+            <a:pPr algn="ctr"/>
+            <a:r>
+              <a:rPr kumimoji="1" lang="en-US" altLang="zh-CN" sz="1600" smtClean="0">
+                <a:solidFill>
+                  <a:schemeClr val="accent6">
+                    <a:lumMod val="50000"/>
+                  </a:schemeClr>
+                </a:solidFill>
+                <a:latin typeface="Times New Roman" charset="0"/>
+                <a:ea typeface="Times New Roman" charset="0"/>
+                <a:cs typeface="Times New Roman" charset="0"/>
+              </a:rPr>
+              <a:t>TProtocol</a:t>
+            </a:r>
+            <a:endParaRPr kumimoji="1" lang="zh-CN" altLang="en-US" sz="1600" dirty="0">
+              <a:solidFill>
+                <a:schemeClr val="accent6">
+                  <a:lumMod val="50000"/>
+                </a:schemeClr>
+              </a:solidFill>
+              <a:latin typeface="Times New Roman" charset="0"/>
+              <a:ea typeface="Times New Roman" charset="0"/>
+              <a:cs typeface="Times New Roman" charset="0"/>
+            </a:endParaRPr>
+          </a:p>
+        </p:txBody>
+      </p:sp>
+      <p:sp>
+        <p:nvSpPr>
+          <p:cNvPr id="9" name="文本框 8"/>
+          <p:cNvSpPr txBox="1"/>
+          <p:nvPr/>
+        </p:nvSpPr>
+        <p:spPr>
+          <a:xfrm>
+            <a:off x="2029806" y="3770216"/>
+            <a:ext cx="1899745" cy="565200"/>
+          </a:xfrm>
+          <a:prstGeom prst="rect">
+            <a:avLst/>
+          </a:prstGeom>
+          <a:solidFill>
+            <a:schemeClr val="accent1">
+              <a:lumMod val="20000"/>
+              <a:lumOff val="80000"/>
+            </a:schemeClr>
+          </a:solidFill>
+          <a:ln>
+            <a:solidFill>
+              <a:schemeClr val="accent1">
+                <a:shade val="50000"/>
+              </a:schemeClr>
+            </a:solidFill>
+          </a:ln>
+        </p:spPr>
+        <p:txBody>
+          <a:bodyPr wrap="square" rtlCol="0" anchor="ctr">
+            <a:spAutoFit/>
+          </a:bodyPr>
+          <a:lstStyle/>
+          <a:p>
+            <a:pPr algn="ctr"/>
+            <a:r>
+              <a:rPr kumimoji="1" lang="en-US" altLang="zh-CN" sz="1600" smtClean="0">
+                <a:solidFill>
+                  <a:schemeClr val="accent6">
+                    <a:lumMod val="50000"/>
+                  </a:schemeClr>
+                </a:solidFill>
+                <a:latin typeface="Times New Roman" charset="0"/>
+                <a:ea typeface="Times New Roman" charset="0"/>
+                <a:cs typeface="Times New Roman" charset="0"/>
+              </a:rPr>
+              <a:t>TTransport</a:t>
+            </a:r>
+            <a:endParaRPr kumimoji="1" lang="zh-CN" altLang="en-US" sz="1600" dirty="0">
+              <a:solidFill>
+                <a:schemeClr val="accent6">
+                  <a:lumMod val="50000"/>
+                </a:schemeClr>
+              </a:solidFill>
+              <a:latin typeface="Times New Roman" charset="0"/>
+              <a:ea typeface="Times New Roman" charset="0"/>
+              <a:cs typeface="Times New Roman" charset="0"/>
+            </a:endParaRPr>
+          </a:p>
+        </p:txBody>
+      </p:sp>
+      <p:sp>
+        <p:nvSpPr>
+          <p:cNvPr id="10" name="文本框 9"/>
+          <p:cNvSpPr txBox="1"/>
+          <p:nvPr/>
+        </p:nvSpPr>
+        <p:spPr>
+          <a:xfrm>
+            <a:off x="2029806" y="5254534"/>
+            <a:ext cx="1899745" cy="584775"/>
+          </a:xfrm>
+          <a:prstGeom prst="rect">
+            <a:avLst/>
+          </a:prstGeom>
+          <a:solidFill>
+            <a:schemeClr val="accent3">
+              <a:lumMod val="20000"/>
+              <a:lumOff val="80000"/>
+            </a:schemeClr>
+          </a:solidFill>
+          <a:ln>
+            <a:solidFill>
+              <a:schemeClr val="accent1">
+                <a:shade val="50000"/>
+              </a:schemeClr>
+            </a:solidFill>
+          </a:ln>
+        </p:spPr>
+        <p:txBody>
+          <a:bodyPr wrap="square" rtlCol="0" anchor="ctr">
+            <a:spAutoFit/>
+          </a:bodyPr>
+          <a:lstStyle/>
+          <a:p>
+            <a:pPr algn="ctr"/>
+            <a:r>
+              <a:rPr kumimoji="1" lang="en-US" altLang="zh-CN" sz="1600" dirty="0" smtClean="0">
+                <a:solidFill>
+                  <a:schemeClr val="accent6">
+                    <a:lumMod val="50000"/>
+                  </a:schemeClr>
+                </a:solidFill>
+                <a:latin typeface="Times New Roman" charset="0"/>
+                <a:ea typeface="Times New Roman" charset="0"/>
+                <a:cs typeface="Times New Roman" charset="0"/>
+              </a:rPr>
+              <a:t>Underlying</a:t>
+            </a:r>
+          </a:p>
+          <a:p>
+            <a:pPr algn="ctr"/>
+            <a:r>
+              <a:rPr kumimoji="1" lang="en-US" altLang="zh-CN" sz="1600" dirty="0" smtClean="0">
+                <a:solidFill>
+                  <a:schemeClr val="accent6">
+                    <a:lumMod val="50000"/>
+                  </a:schemeClr>
+                </a:solidFill>
+                <a:latin typeface="Times New Roman" charset="0"/>
+                <a:ea typeface="Times New Roman" charset="0"/>
+                <a:cs typeface="Times New Roman" charset="0"/>
+              </a:rPr>
+              <a:t>I/O</a:t>
+            </a:r>
+            <a:endParaRPr kumimoji="1" lang="zh-CN" altLang="en-US" sz="1600" dirty="0">
+              <a:solidFill>
+                <a:schemeClr val="accent6">
+                  <a:lumMod val="50000"/>
+                </a:schemeClr>
+              </a:solidFill>
+              <a:latin typeface="Times New Roman" charset="0"/>
+              <a:ea typeface="Times New Roman" charset="0"/>
+              <a:cs typeface="Times New Roman" charset="0"/>
+            </a:endParaRPr>
+          </a:p>
+        </p:txBody>
+      </p:sp>
+      <p:cxnSp>
+        <p:nvCxnSpPr>
+          <p:cNvPr id="12" name="直线连接符 11"/>
+          <p:cNvCxnSpPr/>
+          <p:nvPr/>
+        </p:nvCxnSpPr>
+        <p:spPr>
+          <a:xfrm>
+            <a:off x="2963636" y="4402381"/>
+            <a:ext cx="1" cy="884237"/>
+          </a:xfrm>
+          <a:prstGeom prst="line">
+            <a:avLst/>
+          </a:prstGeom>
+          <a:ln w="152400">
+            <a:solidFill>
+              <a:schemeClr val="tx2">
+                <a:lumMod val="75000"/>
+              </a:schemeClr>
+            </a:solidFill>
+            <a:prstDash val="sysDot"/>
+          </a:ln>
+        </p:spPr>
+        <p:style>
+          <a:lnRef idx="1">
+            <a:schemeClr val="accent1"/>
+          </a:lnRef>
+          <a:fillRef idx="0">
+            <a:schemeClr val="accent1"/>
+          </a:fillRef>
+          <a:effectRef idx="0">
+            <a:schemeClr val="accent1"/>
+          </a:effectRef>
+          <a:fontRef idx="minor">
+            <a:schemeClr val="tx1"/>
+          </a:fontRef>
+        </p:style>
+      </p:cxnSp>
+      <p:sp>
+        <p:nvSpPr>
+          <p:cNvPr id="19" name="圆角矩形 18"/>
+          <p:cNvSpPr/>
+          <p:nvPr/>
+        </p:nvSpPr>
+        <p:spPr>
+          <a:xfrm>
+            <a:off x="6810980" y="804041"/>
+            <a:ext cx="2427890" cy="5234152"/>
+          </a:xfrm>
+          <a:prstGeom prst="roundRect">
+            <a:avLst>
+              <a:gd name="adj" fmla="val 5628"/>
+            </a:avLst>
+          </a:prstGeom>
+          <a:solidFill>
+            <a:schemeClr val="accent1">
+              <a:lumMod val="40000"/>
+              <a:lumOff val="60000"/>
+            </a:schemeClr>
+          </a:solidFill>
+        </p:spPr>
+        <p:style>
+          <a:lnRef idx="2">
+            <a:schemeClr val="accent1">
+              <a:shade val="50000"/>
+            </a:schemeClr>
+          </a:lnRef>
+          <a:fillRef idx="1">
+            <a:schemeClr val="accent1"/>
+          </a:fillRef>
+          <a:effectRef idx="0">
+            <a:schemeClr val="accent1"/>
+          </a:effectRef>
+          <a:fontRef idx="minor">
+            <a:schemeClr val="lt1"/>
+          </a:fontRef>
+        </p:style>
+        <p:txBody>
+          <a:bodyPr rtlCol="0" anchor="ctr"/>
+          <a:lstStyle/>
+          <a:p>
+            <a:pPr algn="ctr"/>
+            <a:endParaRPr kumimoji="1" lang="zh-CN" altLang="en-US"/>
+          </a:p>
+        </p:txBody>
+      </p:sp>
+      <p:sp>
+        <p:nvSpPr>
+          <p:cNvPr id="20" name="文本框 19"/>
+          <p:cNvSpPr txBox="1"/>
+          <p:nvPr/>
+        </p:nvSpPr>
+        <p:spPr>
+          <a:xfrm>
+            <a:off x="7276063" y="961696"/>
+            <a:ext cx="1497724" cy="400110"/>
+          </a:xfrm>
+          <a:prstGeom prst="rect">
+            <a:avLst/>
+          </a:prstGeom>
+          <a:noFill/>
+        </p:spPr>
+        <p:txBody>
+          <a:bodyPr wrap="square" rtlCol="0">
+            <a:spAutoFit/>
+          </a:bodyPr>
+          <a:lstStyle/>
+          <a:p>
+            <a:pPr algn="ctr"/>
+            <a:r>
+              <a:rPr kumimoji="1" lang="en-US" altLang="zh-CN" sz="2000" b="1" dirty="0" smtClean="0">
+                <a:solidFill>
+                  <a:srgbClr val="7030A0"/>
+                </a:solidFill>
+                <a:latin typeface="Times New Roman" charset="0"/>
+                <a:ea typeface="Times New Roman" charset="0"/>
+                <a:cs typeface="Times New Roman" charset="0"/>
+              </a:rPr>
+              <a:t>Server</a:t>
+            </a:r>
+            <a:endParaRPr kumimoji="1" lang="zh-CN" altLang="en-US" sz="2000" b="1" dirty="0">
+              <a:solidFill>
+                <a:srgbClr val="7030A0"/>
+              </a:solidFill>
+              <a:latin typeface="Times New Roman" charset="0"/>
+              <a:ea typeface="Times New Roman" charset="0"/>
+              <a:cs typeface="Times New Roman" charset="0"/>
+            </a:endParaRPr>
+          </a:p>
+        </p:txBody>
+      </p:sp>
+      <p:sp>
+        <p:nvSpPr>
+          <p:cNvPr id="21" name="文本框 20"/>
+          <p:cNvSpPr txBox="1"/>
+          <p:nvPr/>
+        </p:nvSpPr>
+        <p:spPr>
+          <a:xfrm>
+            <a:off x="7075052" y="1519461"/>
+            <a:ext cx="1899745" cy="565200"/>
+          </a:xfrm>
+          <a:prstGeom prst="rect">
+            <a:avLst/>
+          </a:prstGeom>
+          <a:solidFill>
+            <a:schemeClr val="accent6">
+              <a:lumMod val="20000"/>
+              <a:lumOff val="80000"/>
+            </a:schemeClr>
+          </a:solidFill>
+          <a:ln>
+            <a:solidFill>
+              <a:schemeClr val="accent1">
+                <a:shade val="50000"/>
+              </a:schemeClr>
+            </a:solidFill>
+          </a:ln>
+        </p:spPr>
+        <p:txBody>
+          <a:bodyPr wrap="square" rtlCol="0" anchor="ctr">
+            <a:spAutoFit/>
+          </a:bodyPr>
+          <a:lstStyle/>
+          <a:p>
+            <a:pPr algn="ctr"/>
+            <a:r>
+              <a:rPr kumimoji="1" lang="en-US" altLang="zh-CN" sz="1600" dirty="0" smtClean="0">
+                <a:solidFill>
+                  <a:schemeClr val="accent6">
+                    <a:lumMod val="50000"/>
+                  </a:schemeClr>
+                </a:solidFill>
+                <a:latin typeface="Times New Roman" charset="0"/>
+                <a:ea typeface="Times New Roman" charset="0"/>
+                <a:cs typeface="Times New Roman" charset="0"/>
+              </a:rPr>
+              <a:t>Your Code</a:t>
+            </a:r>
+            <a:endParaRPr kumimoji="1" lang="zh-CN" altLang="en-US" sz="1600" dirty="0">
+              <a:solidFill>
+                <a:schemeClr val="accent6">
+                  <a:lumMod val="50000"/>
+                </a:schemeClr>
+              </a:solidFill>
+              <a:latin typeface="Times New Roman" charset="0"/>
+              <a:ea typeface="Times New Roman" charset="0"/>
+              <a:cs typeface="Times New Roman" charset="0"/>
+            </a:endParaRPr>
+          </a:p>
+        </p:txBody>
+      </p:sp>
+      <p:sp>
+        <p:nvSpPr>
+          <p:cNvPr id="22" name="文本框 21"/>
+          <p:cNvSpPr txBox="1"/>
+          <p:nvPr/>
+        </p:nvSpPr>
+        <p:spPr>
+          <a:xfrm>
+            <a:off x="7075051" y="2067439"/>
+            <a:ext cx="1899745" cy="584775"/>
+          </a:xfrm>
+          <a:prstGeom prst="rect">
+            <a:avLst/>
+          </a:prstGeom>
+          <a:solidFill>
+            <a:schemeClr val="accent5">
+              <a:lumMod val="20000"/>
+              <a:lumOff val="80000"/>
+            </a:schemeClr>
+          </a:solidFill>
+          <a:ln>
+            <a:solidFill>
+              <a:schemeClr val="accent1">
+                <a:shade val="50000"/>
+              </a:schemeClr>
+            </a:solidFill>
+          </a:ln>
+        </p:spPr>
+        <p:txBody>
+          <a:bodyPr wrap="square" rtlCol="0" anchor="ctr">
+            <a:spAutoFit/>
+          </a:bodyPr>
+          <a:lstStyle/>
+          <a:p>
+            <a:pPr algn="ctr"/>
+            <a:r>
+              <a:rPr kumimoji="1" lang="en-US" altLang="zh-CN" sz="1600" dirty="0" smtClean="0">
+                <a:solidFill>
+                  <a:schemeClr val="accent6">
+                    <a:lumMod val="50000"/>
+                  </a:schemeClr>
+                </a:solidFill>
+                <a:latin typeface="Times New Roman" charset="0"/>
+                <a:ea typeface="Times New Roman" charset="0"/>
+                <a:cs typeface="Times New Roman" charset="0"/>
+              </a:rPr>
+              <a:t>FooService.</a:t>
+            </a:r>
+          </a:p>
+          <a:p>
+            <a:pPr algn="ctr"/>
+            <a:r>
+              <a:rPr kumimoji="1" lang="en-US" altLang="zh-CN" sz="1600" dirty="0" smtClean="0">
+                <a:solidFill>
+                  <a:schemeClr val="accent6">
+                    <a:lumMod val="50000"/>
+                  </a:schemeClr>
+                </a:solidFill>
+                <a:latin typeface="Times New Roman" charset="0"/>
+                <a:ea typeface="Times New Roman" charset="0"/>
+                <a:cs typeface="Times New Roman" charset="0"/>
+              </a:rPr>
+              <a:t>Processor</a:t>
+            </a:r>
+            <a:endParaRPr kumimoji="1" lang="zh-CN" altLang="en-US" sz="1600" dirty="0">
+              <a:solidFill>
+                <a:schemeClr val="accent6">
+                  <a:lumMod val="50000"/>
+                </a:schemeClr>
+              </a:solidFill>
+              <a:latin typeface="Times New Roman" charset="0"/>
+              <a:ea typeface="Times New Roman" charset="0"/>
+              <a:cs typeface="Times New Roman" charset="0"/>
+            </a:endParaRPr>
+          </a:p>
+        </p:txBody>
+      </p:sp>
+      <p:sp>
+        <p:nvSpPr>
+          <p:cNvPr id="23" name="文本框 22"/>
+          <p:cNvSpPr txBox="1"/>
+          <p:nvPr/>
+        </p:nvSpPr>
+        <p:spPr>
+          <a:xfrm>
+            <a:off x="7075050" y="2652214"/>
+            <a:ext cx="1899745" cy="584775"/>
+          </a:xfrm>
+          <a:prstGeom prst="rect">
+            <a:avLst/>
+          </a:prstGeom>
+          <a:solidFill>
+            <a:schemeClr val="accent4">
+              <a:lumMod val="20000"/>
+              <a:lumOff val="80000"/>
+            </a:schemeClr>
+          </a:solidFill>
+          <a:ln>
+            <a:solidFill>
+              <a:schemeClr val="accent1">
+                <a:shade val="50000"/>
+              </a:schemeClr>
+            </a:solidFill>
+          </a:ln>
+        </p:spPr>
+        <p:txBody>
+          <a:bodyPr wrap="square" rtlCol="0" anchor="ctr">
+            <a:spAutoFit/>
+          </a:bodyPr>
+          <a:lstStyle/>
+          <a:p>
+            <a:pPr algn="ctr"/>
+            <a:r>
+              <a:rPr kumimoji="1" lang="en-US" altLang="zh-CN" sz="1600" dirty="0" smtClean="0">
+                <a:solidFill>
+                  <a:schemeClr val="accent6">
+                    <a:lumMod val="50000"/>
+                  </a:schemeClr>
+                </a:solidFill>
+                <a:latin typeface="Times New Roman" charset="0"/>
+                <a:ea typeface="Times New Roman" charset="0"/>
+                <a:cs typeface="Times New Roman" charset="0"/>
+              </a:rPr>
+              <a:t>Foo.</a:t>
+            </a:r>
+          </a:p>
+          <a:p>
+            <a:pPr algn="ctr"/>
+            <a:r>
+              <a:rPr kumimoji="1" lang="en-US" altLang="zh-CN" sz="1600" dirty="0" smtClean="0">
+                <a:solidFill>
+                  <a:schemeClr val="accent6">
+                    <a:lumMod val="50000"/>
+                  </a:schemeClr>
+                </a:solidFill>
+                <a:latin typeface="Times New Roman" charset="0"/>
+                <a:ea typeface="Times New Roman" charset="0"/>
+                <a:cs typeface="Times New Roman" charset="0"/>
+              </a:rPr>
+              <a:t>Write()/read()</a:t>
+            </a:r>
+            <a:endParaRPr kumimoji="1" lang="zh-CN" altLang="en-US" sz="1600" dirty="0">
+              <a:solidFill>
+                <a:schemeClr val="accent6">
+                  <a:lumMod val="50000"/>
+                </a:schemeClr>
+              </a:solidFill>
+              <a:latin typeface="Times New Roman" charset="0"/>
+              <a:ea typeface="Times New Roman" charset="0"/>
+              <a:cs typeface="Times New Roman" charset="0"/>
+            </a:endParaRPr>
+          </a:p>
+        </p:txBody>
+      </p:sp>
+      <p:sp>
+        <p:nvSpPr>
+          <p:cNvPr id="24" name="文本框 23"/>
+          <p:cNvSpPr txBox="1"/>
+          <p:nvPr/>
+        </p:nvSpPr>
+        <p:spPr>
+          <a:xfrm>
+            <a:off x="7075049" y="3219767"/>
+            <a:ext cx="1899745" cy="565200"/>
+          </a:xfrm>
+          <a:prstGeom prst="rect">
+            <a:avLst/>
+          </a:prstGeom>
+          <a:solidFill>
+            <a:schemeClr val="accent2">
+              <a:lumMod val="20000"/>
+              <a:lumOff val="80000"/>
+            </a:schemeClr>
+          </a:solidFill>
+          <a:ln>
+            <a:solidFill>
+              <a:schemeClr val="accent1">
+                <a:shade val="50000"/>
+              </a:schemeClr>
+            </a:solidFill>
+          </a:ln>
+        </p:spPr>
+        <p:txBody>
+          <a:bodyPr wrap="square" rtlCol="0" anchor="ctr">
+            <a:spAutoFit/>
+          </a:bodyPr>
+          <a:lstStyle/>
+          <a:p>
+            <a:pPr algn="ctr"/>
+            <a:r>
+              <a:rPr kumimoji="1" lang="en-US" altLang="zh-CN" sz="1600" smtClean="0">
+                <a:solidFill>
+                  <a:schemeClr val="accent6">
+                    <a:lumMod val="50000"/>
+                  </a:schemeClr>
+                </a:solidFill>
+                <a:latin typeface="Times New Roman" charset="0"/>
+                <a:ea typeface="Times New Roman" charset="0"/>
+                <a:cs typeface="Times New Roman" charset="0"/>
+              </a:rPr>
+              <a:t>TProtocol</a:t>
+            </a:r>
+            <a:endParaRPr kumimoji="1" lang="zh-CN" altLang="en-US" sz="1600" dirty="0">
+              <a:solidFill>
+                <a:schemeClr val="accent6">
+                  <a:lumMod val="50000"/>
+                </a:schemeClr>
+              </a:solidFill>
+              <a:latin typeface="Times New Roman" charset="0"/>
+              <a:ea typeface="Times New Roman" charset="0"/>
+              <a:cs typeface="Times New Roman" charset="0"/>
+            </a:endParaRPr>
+          </a:p>
+        </p:txBody>
+      </p:sp>
+      <p:sp>
+        <p:nvSpPr>
+          <p:cNvPr id="25" name="文本框 24"/>
+          <p:cNvSpPr txBox="1"/>
+          <p:nvPr/>
+        </p:nvSpPr>
+        <p:spPr>
+          <a:xfrm>
+            <a:off x="7075048" y="3770216"/>
+            <a:ext cx="1899745" cy="565200"/>
+          </a:xfrm>
+          <a:prstGeom prst="rect">
+            <a:avLst/>
+          </a:prstGeom>
+          <a:solidFill>
+            <a:schemeClr val="accent1">
+              <a:lumMod val="20000"/>
+              <a:lumOff val="80000"/>
+            </a:schemeClr>
+          </a:solidFill>
+          <a:ln>
+            <a:solidFill>
+              <a:schemeClr val="accent1">
+                <a:shade val="50000"/>
+              </a:schemeClr>
+            </a:solidFill>
+          </a:ln>
+        </p:spPr>
+        <p:txBody>
+          <a:bodyPr wrap="square" rtlCol="0" anchor="ctr">
+            <a:spAutoFit/>
+          </a:bodyPr>
+          <a:lstStyle/>
+          <a:p>
+            <a:pPr algn="ctr"/>
+            <a:r>
+              <a:rPr kumimoji="1" lang="en-US" altLang="zh-CN" sz="1600" smtClean="0">
+                <a:solidFill>
+                  <a:schemeClr val="accent6">
+                    <a:lumMod val="50000"/>
+                  </a:schemeClr>
+                </a:solidFill>
+                <a:latin typeface="Times New Roman" charset="0"/>
+                <a:ea typeface="Times New Roman" charset="0"/>
+                <a:cs typeface="Times New Roman" charset="0"/>
+              </a:rPr>
+              <a:t>TTransport</a:t>
+            </a:r>
+            <a:endParaRPr kumimoji="1" lang="zh-CN" altLang="en-US" sz="1600" dirty="0">
+              <a:solidFill>
+                <a:schemeClr val="accent6">
+                  <a:lumMod val="50000"/>
+                </a:schemeClr>
+              </a:solidFill>
+              <a:latin typeface="Times New Roman" charset="0"/>
+              <a:ea typeface="Times New Roman" charset="0"/>
+              <a:cs typeface="Times New Roman" charset="0"/>
+            </a:endParaRPr>
+          </a:p>
+        </p:txBody>
+      </p:sp>
+      <p:sp>
+        <p:nvSpPr>
+          <p:cNvPr id="26" name="文本框 25"/>
+          <p:cNvSpPr txBox="1"/>
+          <p:nvPr/>
+        </p:nvSpPr>
+        <p:spPr>
+          <a:xfrm>
+            <a:off x="7075048" y="5254534"/>
+            <a:ext cx="1899745" cy="584775"/>
+          </a:xfrm>
+          <a:prstGeom prst="rect">
+            <a:avLst/>
+          </a:prstGeom>
+          <a:solidFill>
+            <a:schemeClr val="accent3">
+              <a:lumMod val="20000"/>
+              <a:lumOff val="80000"/>
+            </a:schemeClr>
+          </a:solidFill>
+          <a:ln>
+            <a:solidFill>
+              <a:schemeClr val="accent1">
+                <a:shade val="50000"/>
+              </a:schemeClr>
+            </a:solidFill>
+          </a:ln>
+        </p:spPr>
+        <p:txBody>
+          <a:bodyPr wrap="square" rtlCol="0" anchor="ctr">
+            <a:spAutoFit/>
+          </a:bodyPr>
+          <a:lstStyle/>
+          <a:p>
+            <a:pPr algn="ctr"/>
+            <a:r>
+              <a:rPr kumimoji="1" lang="en-US" altLang="zh-CN" sz="1600" dirty="0" smtClean="0">
+                <a:solidFill>
+                  <a:schemeClr val="accent6">
+                    <a:lumMod val="50000"/>
+                  </a:schemeClr>
+                </a:solidFill>
+                <a:latin typeface="Times New Roman" charset="0"/>
+                <a:ea typeface="Times New Roman" charset="0"/>
+                <a:cs typeface="Times New Roman" charset="0"/>
+              </a:rPr>
+              <a:t>Underlying</a:t>
+            </a:r>
+          </a:p>
+          <a:p>
+            <a:pPr algn="ctr"/>
+            <a:r>
+              <a:rPr kumimoji="1" lang="en-US" altLang="zh-CN" sz="1600" dirty="0" smtClean="0">
+                <a:solidFill>
+                  <a:schemeClr val="accent6">
+                    <a:lumMod val="50000"/>
+                  </a:schemeClr>
+                </a:solidFill>
+                <a:latin typeface="Times New Roman" charset="0"/>
+                <a:ea typeface="Times New Roman" charset="0"/>
+                <a:cs typeface="Times New Roman" charset="0"/>
+              </a:rPr>
+              <a:t>I/O</a:t>
+            </a:r>
+            <a:endParaRPr kumimoji="1" lang="zh-CN" altLang="en-US" sz="1600" dirty="0">
+              <a:solidFill>
+                <a:schemeClr val="accent6">
+                  <a:lumMod val="50000"/>
+                </a:schemeClr>
+              </a:solidFill>
+              <a:latin typeface="Times New Roman" charset="0"/>
+              <a:ea typeface="Times New Roman" charset="0"/>
+              <a:cs typeface="Times New Roman" charset="0"/>
+            </a:endParaRPr>
+          </a:p>
+        </p:txBody>
+      </p:sp>
+      <p:cxnSp>
+        <p:nvCxnSpPr>
+          <p:cNvPr id="27" name="直线连接符 26"/>
+          <p:cNvCxnSpPr/>
+          <p:nvPr/>
+        </p:nvCxnSpPr>
+        <p:spPr>
+          <a:xfrm>
+            <a:off x="8008878" y="4402381"/>
+            <a:ext cx="1" cy="884237"/>
+          </a:xfrm>
+          <a:prstGeom prst="line">
+            <a:avLst/>
+          </a:prstGeom>
+          <a:ln w="152400">
+            <a:solidFill>
+              <a:schemeClr val="tx2">
+                <a:lumMod val="75000"/>
+              </a:schemeClr>
+            </a:solidFill>
+            <a:prstDash val="sysDot"/>
+          </a:ln>
+        </p:spPr>
+        <p:style>
+          <a:lnRef idx="1">
+            <a:schemeClr val="accent1"/>
+          </a:lnRef>
+          <a:fillRef idx="0">
+            <a:schemeClr val="accent1"/>
+          </a:fillRef>
+          <a:effectRef idx="0">
+            <a:schemeClr val="accent1"/>
+          </a:effectRef>
+          <a:fontRef idx="minor">
+            <a:schemeClr val="tx1"/>
+          </a:fontRef>
+        </p:style>
+      </p:cxnSp>
+      <p:sp>
+        <p:nvSpPr>
+          <p:cNvPr id="28" name="文本框 27"/>
+          <p:cNvSpPr txBox="1"/>
+          <p:nvPr/>
+        </p:nvSpPr>
+        <p:spPr>
+          <a:xfrm>
+            <a:off x="4852529" y="2359826"/>
+            <a:ext cx="1299549" cy="707886"/>
+          </a:xfrm>
+          <a:prstGeom prst="rect">
+            <a:avLst/>
+          </a:prstGeom>
+          <a:noFill/>
+        </p:spPr>
+        <p:txBody>
+          <a:bodyPr wrap="square" rtlCol="0">
+            <a:spAutoFit/>
+          </a:bodyPr>
+          <a:lstStyle/>
+          <a:p>
+            <a:pPr algn="ctr"/>
+            <a:r>
+              <a:rPr kumimoji="1" lang="en-US" altLang="zh-CN" sz="2000" smtClean="0">
+                <a:solidFill>
+                  <a:schemeClr val="accent6">
+                    <a:lumMod val="50000"/>
+                  </a:schemeClr>
+                </a:solidFill>
+              </a:rPr>
+              <a:t>Generated Code</a:t>
+            </a:r>
+            <a:endParaRPr kumimoji="1" lang="zh-CN" altLang="en-US" sz="2000" dirty="0">
+              <a:solidFill>
+                <a:schemeClr val="accent6">
+                  <a:lumMod val="50000"/>
+                </a:schemeClr>
+              </a:solidFill>
+            </a:endParaRPr>
+          </a:p>
+        </p:txBody>
+      </p:sp>
+      <p:cxnSp>
+        <p:nvCxnSpPr>
+          <p:cNvPr id="30" name="直线连接符 29"/>
+          <p:cNvCxnSpPr>
+            <a:stCxn id="5" idx="3"/>
+            <a:endCxn id="28" idx="1"/>
+          </p:cNvCxnSpPr>
+          <p:nvPr/>
+        </p:nvCxnSpPr>
+        <p:spPr>
+          <a:xfrm>
+            <a:off x="3929555" y="1802061"/>
+            <a:ext cx="922974" cy="911708"/>
+          </a:xfrm>
+          <a:prstGeom prst="line">
+            <a:avLst/>
+          </a:prstGeom>
+          <a:ln w="25400">
+            <a:prstDash val="dash"/>
+          </a:ln>
+        </p:spPr>
+        <p:style>
+          <a:lnRef idx="1">
+            <a:schemeClr val="accent1"/>
+          </a:lnRef>
+          <a:fillRef idx="0">
+            <a:schemeClr val="accent1"/>
+          </a:fillRef>
+          <a:effectRef idx="0">
+            <a:schemeClr val="accent1"/>
+          </a:effectRef>
+          <a:fontRef idx="minor">
+            <a:schemeClr val="tx1"/>
+          </a:fontRef>
+        </p:style>
+      </p:cxnSp>
+      <p:cxnSp>
+        <p:nvCxnSpPr>
+          <p:cNvPr id="33" name="直线连接符 32"/>
+          <p:cNvCxnSpPr>
+            <a:stCxn id="21" idx="1"/>
+            <a:endCxn id="28" idx="3"/>
+          </p:cNvCxnSpPr>
+          <p:nvPr/>
+        </p:nvCxnSpPr>
+        <p:spPr>
+          <a:xfrm flipH="1">
+            <a:off x="6152078" y="1802061"/>
+            <a:ext cx="922974" cy="911708"/>
+          </a:xfrm>
+          <a:prstGeom prst="line">
+            <a:avLst/>
+          </a:prstGeom>
+          <a:ln w="25400">
+            <a:prstDash val="dash"/>
+          </a:ln>
+        </p:spPr>
+        <p:style>
+          <a:lnRef idx="1">
+            <a:schemeClr val="accent1"/>
+          </a:lnRef>
+          <a:fillRef idx="0">
+            <a:schemeClr val="accent1"/>
+          </a:fillRef>
+          <a:effectRef idx="0">
+            <a:schemeClr val="accent1"/>
+          </a:effectRef>
+          <a:fontRef idx="minor">
+            <a:schemeClr val="tx1"/>
+          </a:fontRef>
+        </p:style>
+      </p:cxnSp>
+      <p:cxnSp>
+        <p:nvCxnSpPr>
+          <p:cNvPr id="36" name="直线连接符 35"/>
+          <p:cNvCxnSpPr>
+            <a:stCxn id="8" idx="3"/>
+            <a:endCxn id="28" idx="1"/>
+          </p:cNvCxnSpPr>
+          <p:nvPr/>
+        </p:nvCxnSpPr>
+        <p:spPr>
+          <a:xfrm flipV="1">
+            <a:off x="3929552" y="2713769"/>
+            <a:ext cx="922977" cy="788598"/>
+          </a:xfrm>
+          <a:prstGeom prst="line">
+            <a:avLst/>
+          </a:prstGeom>
+          <a:ln w="25400">
+            <a:prstDash val="dash"/>
+          </a:ln>
+        </p:spPr>
+        <p:style>
+          <a:lnRef idx="1">
+            <a:schemeClr val="accent1"/>
+          </a:lnRef>
+          <a:fillRef idx="0">
+            <a:schemeClr val="accent1"/>
+          </a:fillRef>
+          <a:effectRef idx="0">
+            <a:schemeClr val="accent1"/>
+          </a:effectRef>
+          <a:fontRef idx="minor">
+            <a:schemeClr val="tx1"/>
+          </a:fontRef>
+        </p:style>
+      </p:cxnSp>
+      <p:cxnSp>
+        <p:nvCxnSpPr>
+          <p:cNvPr id="39" name="直线连接符 38"/>
+          <p:cNvCxnSpPr>
+            <a:stCxn id="24" idx="1"/>
+            <a:endCxn id="28" idx="3"/>
+          </p:cNvCxnSpPr>
+          <p:nvPr/>
+        </p:nvCxnSpPr>
+        <p:spPr>
+          <a:xfrm flipH="1" flipV="1">
+            <a:off x="6152078" y="2713769"/>
+            <a:ext cx="922971" cy="788598"/>
+          </a:xfrm>
+          <a:prstGeom prst="line">
+            <a:avLst/>
+          </a:prstGeom>
+          <a:ln w="25400">
+            <a:prstDash val="dash"/>
+          </a:ln>
+        </p:spPr>
+        <p:style>
+          <a:lnRef idx="1">
+            <a:schemeClr val="accent1"/>
+          </a:lnRef>
+          <a:fillRef idx="0">
+            <a:schemeClr val="accent1"/>
+          </a:fillRef>
+          <a:effectRef idx="0">
+            <a:schemeClr val="accent1"/>
+          </a:effectRef>
+          <a:fontRef idx="minor">
+            <a:schemeClr val="tx1"/>
+          </a:fontRef>
+        </p:style>
+      </p:cxnSp>
+      <p:cxnSp>
+        <p:nvCxnSpPr>
+          <p:cNvPr id="43" name="直线箭头连接符 42"/>
+          <p:cNvCxnSpPr/>
+          <p:nvPr/>
+        </p:nvCxnSpPr>
+        <p:spPr>
+          <a:xfrm>
+            <a:off x="4193619" y="5406190"/>
+            <a:ext cx="2617352" cy="7337"/>
+          </a:xfrm>
+          <a:prstGeom prst="straightConnector1">
+            <a:avLst/>
+          </a:prstGeom>
+          <a:ln w="101600">
+            <a:solidFill>
+              <a:schemeClr val="accent4">
+                <a:lumMod val="50000"/>
+              </a:schemeClr>
+            </a:solidFill>
+            <a:tailEnd type="stealth" w="sm" len="med"/>
+          </a:ln>
+        </p:spPr>
+        <p:style>
+          <a:lnRef idx="1">
+            <a:schemeClr val="accent1"/>
+          </a:lnRef>
+          <a:fillRef idx="0">
+            <a:schemeClr val="accent1"/>
+          </a:fillRef>
+          <a:effectRef idx="0">
+            <a:schemeClr val="accent1"/>
+          </a:effectRef>
+          <a:fontRef idx="minor">
+            <a:schemeClr val="tx1"/>
+          </a:fontRef>
+        </p:style>
+      </p:cxnSp>
+      <p:cxnSp>
+        <p:nvCxnSpPr>
+          <p:cNvPr id="44" name="直线箭头连接符 43"/>
+          <p:cNvCxnSpPr/>
+          <p:nvPr/>
+        </p:nvCxnSpPr>
+        <p:spPr>
+          <a:xfrm flipV="1">
+            <a:off x="4193619" y="5678905"/>
+            <a:ext cx="2617361" cy="1039"/>
+          </a:xfrm>
+          <a:prstGeom prst="straightConnector1">
+            <a:avLst/>
+          </a:prstGeom>
+          <a:ln w="101600">
+            <a:solidFill>
+              <a:schemeClr val="accent4">
+                <a:lumMod val="50000"/>
+              </a:schemeClr>
+            </a:solidFill>
+            <a:headEnd type="stealth" w="sm" len="med"/>
+            <a:tailEnd type="none" w="sm" len="med"/>
+          </a:ln>
+        </p:spPr>
+        <p:style>
+          <a:lnRef idx="1">
+            <a:schemeClr val="accent1"/>
+          </a:lnRef>
+          <a:fillRef idx="0">
+            <a:schemeClr val="accent1"/>
+          </a:fillRef>
+          <a:effectRef idx="0">
+            <a:schemeClr val="accent1"/>
+          </a:effectRef>
+          <a:fontRef idx="minor">
+            <a:schemeClr val="tx1"/>
+          </a:fontRef>
+        </p:style>
+      </p:cxnSp>
     </p:spTree>
     <p:extLst>
       <p:ext uri="{BB962C8B-B14F-4D97-AF65-F5344CB8AC3E}">
-        <p14:creationId xmlns:p14="http://schemas.microsoft.com/office/powerpoint/2010/main" val="68757829"/>
+        <p14:creationId xmlns:p14="http://schemas.microsoft.com/office/powerpoint/2010/main" val="230500704"/>
       </p:ext>
     </p:extLst>
   </p:cSld>
